--- a/docs/slides/Lecture3.pptx
+++ b/docs/slides/Lecture3.pptx
@@ -5,10 +5,10 @@
     <p:sldMasterId id="2147483672" r:id="rId1"/>
   </p:sldMasterIdLst>
   <p:notesMasterIdLst>
-    <p:notesMasterId r:id="rId46"/>
+    <p:notesMasterId r:id="rId47"/>
   </p:notesMasterIdLst>
   <p:handoutMasterIdLst>
-    <p:handoutMasterId r:id="rId47"/>
+    <p:handoutMasterId r:id="rId48"/>
   </p:handoutMasterIdLst>
   <p:sldIdLst>
     <p:sldId id="256" r:id="rId2"/>
@@ -18,43 +18,44 @@
     <p:sldId id="392" r:id="rId6"/>
     <p:sldId id="519" r:id="rId7"/>
     <p:sldId id="462" r:id="rId8"/>
-    <p:sldId id="512" r:id="rId9"/>
-    <p:sldId id="423" r:id="rId10"/>
-    <p:sldId id="430" r:id="rId11"/>
-    <p:sldId id="554" r:id="rId12"/>
-    <p:sldId id="431" r:id="rId13"/>
-    <p:sldId id="437" r:id="rId14"/>
-    <p:sldId id="503" r:id="rId15"/>
-    <p:sldId id="445" r:id="rId16"/>
-    <p:sldId id="446" r:id="rId17"/>
-    <p:sldId id="511" r:id="rId18"/>
-    <p:sldId id="436" r:id="rId19"/>
-    <p:sldId id="440" r:id="rId20"/>
-    <p:sldId id="467" r:id="rId21"/>
-    <p:sldId id="442" r:id="rId22"/>
-    <p:sldId id="468" r:id="rId23"/>
-    <p:sldId id="469" r:id="rId24"/>
-    <p:sldId id="470" r:id="rId25"/>
-    <p:sldId id="471" r:id="rId26"/>
-    <p:sldId id="472" r:id="rId27"/>
-    <p:sldId id="473" r:id="rId28"/>
-    <p:sldId id="514" r:id="rId29"/>
-    <p:sldId id="448" r:id="rId30"/>
-    <p:sldId id="460" r:id="rId31"/>
-    <p:sldId id="520" r:id="rId32"/>
-    <p:sldId id="549" r:id="rId33"/>
-    <p:sldId id="551" r:id="rId34"/>
-    <p:sldId id="552" r:id="rId35"/>
-    <p:sldId id="553" r:id="rId36"/>
-    <p:sldId id="548" r:id="rId37"/>
-    <p:sldId id="476" r:id="rId38"/>
-    <p:sldId id="513" r:id="rId39"/>
-    <p:sldId id="475" r:id="rId40"/>
-    <p:sldId id="447" r:id="rId41"/>
-    <p:sldId id="515" r:id="rId42"/>
-    <p:sldId id="516" r:id="rId43"/>
-    <p:sldId id="517" r:id="rId44"/>
-    <p:sldId id="518" r:id="rId45"/>
+    <p:sldId id="555" r:id="rId9"/>
+    <p:sldId id="512" r:id="rId10"/>
+    <p:sldId id="423" r:id="rId11"/>
+    <p:sldId id="430" r:id="rId12"/>
+    <p:sldId id="554" r:id="rId13"/>
+    <p:sldId id="431" r:id="rId14"/>
+    <p:sldId id="437" r:id="rId15"/>
+    <p:sldId id="503" r:id="rId16"/>
+    <p:sldId id="445" r:id="rId17"/>
+    <p:sldId id="446" r:id="rId18"/>
+    <p:sldId id="511" r:id="rId19"/>
+    <p:sldId id="436" r:id="rId20"/>
+    <p:sldId id="440" r:id="rId21"/>
+    <p:sldId id="467" r:id="rId22"/>
+    <p:sldId id="442" r:id="rId23"/>
+    <p:sldId id="468" r:id="rId24"/>
+    <p:sldId id="469" r:id="rId25"/>
+    <p:sldId id="470" r:id="rId26"/>
+    <p:sldId id="471" r:id="rId27"/>
+    <p:sldId id="472" r:id="rId28"/>
+    <p:sldId id="473" r:id="rId29"/>
+    <p:sldId id="514" r:id="rId30"/>
+    <p:sldId id="448" r:id="rId31"/>
+    <p:sldId id="460" r:id="rId32"/>
+    <p:sldId id="520" r:id="rId33"/>
+    <p:sldId id="549" r:id="rId34"/>
+    <p:sldId id="551" r:id="rId35"/>
+    <p:sldId id="552" r:id="rId36"/>
+    <p:sldId id="553" r:id="rId37"/>
+    <p:sldId id="548" r:id="rId38"/>
+    <p:sldId id="476" r:id="rId39"/>
+    <p:sldId id="513" r:id="rId40"/>
+    <p:sldId id="475" r:id="rId41"/>
+    <p:sldId id="447" r:id="rId42"/>
+    <p:sldId id="515" r:id="rId43"/>
+    <p:sldId id="516" r:id="rId44"/>
+    <p:sldId id="517" r:id="rId45"/>
+    <p:sldId id="518" r:id="rId46"/>
   </p:sldIdLst>
   <p:sldSz cx="12192000" cy="6858000"/>
   <p:notesSz cx="7315200" cy="9601200"/>
@@ -169,6 +170,7 @@
             <p14:sldId id="392"/>
             <p14:sldId id="519"/>
             <p14:sldId id="462"/>
+            <p14:sldId id="555"/>
             <p14:sldId id="512"/>
             <p14:sldId id="423"/>
             <p14:sldId id="430"/>
@@ -352,7 +354,7 @@
               </a14:hiddenEffects>
             </a:ext>
             <a:ext uri="{FAA26D3D-D897-4be2-8F04-BA451C77F1D7}">
-              <ma14:placeholderFlag xmlns="" xmlns:ma14="http://schemas.microsoft.com/office/mac/drawingml/2011/main" val="1"/>
+              <ma14:placeholderFlag xmlns:ma14="http://schemas.microsoft.com/office/mac/drawingml/2011/main" xmlns="" val="1"/>
             </a:ext>
           </a:extLst>
         </p:spPr>
@@ -425,7 +427,7 @@
               </a14:hiddenEffects>
             </a:ext>
             <a:ext uri="{FAA26D3D-D897-4be2-8F04-BA451C77F1D7}">
-              <ma14:placeholderFlag xmlns="" xmlns:ma14="http://schemas.microsoft.com/office/mac/drawingml/2011/main" val="1"/>
+              <ma14:placeholderFlag xmlns:ma14="http://schemas.microsoft.com/office/mac/drawingml/2011/main" xmlns="" val="1"/>
             </a:ext>
           </a:extLst>
         </p:spPr>
@@ -498,7 +500,7 @@
               </a14:hiddenEffects>
             </a:ext>
             <a:ext uri="{FAA26D3D-D897-4be2-8F04-BA451C77F1D7}">
-              <ma14:placeholderFlag xmlns="" xmlns:ma14="http://schemas.microsoft.com/office/mac/drawingml/2011/main" val="1"/>
+              <ma14:placeholderFlag xmlns:ma14="http://schemas.microsoft.com/office/mac/drawingml/2011/main" xmlns="" val="1"/>
             </a:ext>
           </a:extLst>
         </p:spPr>
@@ -612,7 +614,7 @@
               </a14:hiddenEffects>
             </a:ext>
             <a:ext uri="{FAA26D3D-D897-4be2-8F04-BA451C77F1D7}">
-              <ma14:placeholderFlag xmlns="" xmlns:ma14="http://schemas.microsoft.com/office/mac/drawingml/2011/main" val="1"/>
+              <ma14:placeholderFlag xmlns:ma14="http://schemas.microsoft.com/office/mac/drawingml/2011/main" xmlns="" val="1"/>
             </a:ext>
           </a:extLst>
         </p:spPr>
@@ -685,7 +687,7 @@
               </a14:hiddenEffects>
             </a:ext>
             <a:ext uri="{FAA26D3D-D897-4be2-8F04-BA451C77F1D7}">
-              <ma14:placeholderFlag xmlns="" xmlns:ma14="http://schemas.microsoft.com/office/mac/drawingml/2011/main" val="1"/>
+              <ma14:placeholderFlag xmlns:ma14="http://schemas.microsoft.com/office/mac/drawingml/2011/main" xmlns="" val="1"/>
             </a:ext>
           </a:extLst>
         </p:spPr>
@@ -804,7 +806,7 @@
               </a14:hiddenEffects>
             </a:ext>
             <a:ext uri="{FAA26D3D-D897-4be2-8F04-BA451C77F1D7}">
-              <ma14:placeholderFlag xmlns="" xmlns:ma14="http://schemas.microsoft.com/office/mac/drawingml/2011/main" val="1"/>
+              <ma14:placeholderFlag xmlns:ma14="http://schemas.microsoft.com/office/mac/drawingml/2011/main" xmlns="" val="1"/>
             </a:ext>
           </a:extLst>
         </p:spPr>
@@ -905,7 +907,7 @@
               </a14:hiddenEffects>
             </a:ext>
             <a:ext uri="{FAA26D3D-D897-4be2-8F04-BA451C77F1D7}">
-              <ma14:placeholderFlag xmlns="" xmlns:ma14="http://schemas.microsoft.com/office/mac/drawingml/2011/main" val="1"/>
+              <ma14:placeholderFlag xmlns:ma14="http://schemas.microsoft.com/office/mac/drawingml/2011/main" xmlns="" val="1"/>
             </a:ext>
           </a:extLst>
         </p:spPr>
@@ -978,7 +980,7 @@
               </a14:hiddenEffects>
             </a:ext>
             <a:ext uri="{FAA26D3D-D897-4be2-8F04-BA451C77F1D7}">
-              <ma14:placeholderFlag xmlns="" xmlns:ma14="http://schemas.microsoft.com/office/mac/drawingml/2011/main" val="1"/>
+              <ma14:placeholderFlag xmlns:ma14="http://schemas.microsoft.com/office/mac/drawingml/2011/main" xmlns="" val="1"/>
             </a:ext>
           </a:extLst>
         </p:spPr>
@@ -1285,7 +1287,7 @@
             <a:fld id="{AA742258-FB98-3F4C-92C7-D00F89B753B5}" type="slidenum">
               <a:rPr lang="en-US" altLang="x-none" smtClean="0"/>
               <a:pPr/>
-              <a:t>25</a:t>
+              <a:t>26</a:t>
             </a:fld>
             <a:endParaRPr lang="en-US" altLang="x-none"/>
           </a:p>
@@ -1370,7 +1372,7 @@
             <a:fld id="{AA742258-FB98-3F4C-92C7-D00F89B753B5}" type="slidenum">
               <a:rPr lang="en-US" altLang="x-none" smtClean="0"/>
               <a:pPr/>
-              <a:t>29</a:t>
+              <a:t>30</a:t>
             </a:fld>
             <a:endParaRPr lang="en-US" altLang="x-none"/>
           </a:p>
@@ -1455,7 +1457,7 @@
             <a:fld id="{AA742258-FB98-3F4C-92C7-D00F89B753B5}" type="slidenum">
               <a:rPr lang="en-US" altLang="x-none" smtClean="0"/>
               <a:pPr/>
-              <a:t>30</a:t>
+              <a:t>31</a:t>
             </a:fld>
             <a:endParaRPr lang="en-US" altLang="x-none"/>
           </a:p>
@@ -1540,7 +1542,7 @@
             <a:fld id="{AA742258-FB98-3F4C-92C7-D00F89B753B5}" type="slidenum">
               <a:rPr lang="en-US" altLang="x-none" smtClean="0"/>
               <a:pPr/>
-              <a:t>31</a:t>
+              <a:t>32</a:t>
             </a:fld>
             <a:endParaRPr lang="en-US" altLang="x-none"/>
           </a:p>
@@ -1625,7 +1627,7 @@
             <a:fld id="{AA742258-FB98-3F4C-92C7-D00F89B753B5}" type="slidenum">
               <a:rPr lang="en-US" altLang="x-none" smtClean="0"/>
               <a:pPr/>
-              <a:t>32</a:t>
+              <a:t>33</a:t>
             </a:fld>
             <a:endParaRPr lang="en-US" altLang="x-none"/>
           </a:p>
@@ -1710,7 +1712,7 @@
             <a:fld id="{AA742258-FB98-3F4C-92C7-D00F89B753B5}" type="slidenum">
               <a:rPr lang="en-US" altLang="x-none" smtClean="0"/>
               <a:pPr/>
-              <a:t>33</a:t>
+              <a:t>34</a:t>
             </a:fld>
             <a:endParaRPr lang="en-US" altLang="x-none"/>
           </a:p>
@@ -1795,7 +1797,7 @@
             <a:fld id="{AA742258-FB98-3F4C-92C7-D00F89B753B5}" type="slidenum">
               <a:rPr lang="en-US" altLang="x-none" smtClean="0"/>
               <a:pPr/>
-              <a:t>34</a:t>
+              <a:t>35</a:t>
             </a:fld>
             <a:endParaRPr lang="en-US" altLang="x-none"/>
           </a:p>
@@ -1880,7 +1882,7 @@
             <a:fld id="{AA742258-FB98-3F4C-92C7-D00F89B753B5}" type="slidenum">
               <a:rPr lang="en-US" altLang="x-none" smtClean="0"/>
               <a:pPr/>
-              <a:t>35</a:t>
+              <a:t>36</a:t>
             </a:fld>
             <a:endParaRPr lang="en-US" altLang="x-none"/>
           </a:p>
@@ -1965,7 +1967,7 @@
             <a:fld id="{AA742258-FB98-3F4C-92C7-D00F89B753B5}" type="slidenum">
               <a:rPr lang="en-US" altLang="x-none" smtClean="0"/>
               <a:pPr/>
-              <a:t>36</a:t>
+              <a:t>37</a:t>
             </a:fld>
             <a:endParaRPr lang="en-US" altLang="x-none"/>
           </a:p>
@@ -2155,7 +2157,7 @@
             <a:fld id="{AA742258-FB98-3F4C-92C7-D00F89B753B5}" type="slidenum">
               <a:rPr lang="en-US" altLang="x-none" smtClean="0"/>
               <a:pPr/>
-              <a:t>9</a:t>
+              <a:t>10</a:t>
             </a:fld>
             <a:endParaRPr lang="en-US" altLang="x-none"/>
           </a:p>
@@ -2248,7 +2250,7 @@
             <a:fld id="{AA742258-FB98-3F4C-92C7-D00F89B753B5}" type="slidenum">
               <a:rPr lang="en-US" altLang="x-none" smtClean="0"/>
               <a:pPr/>
-              <a:t>10</a:t>
+              <a:t>11</a:t>
             </a:fld>
             <a:endParaRPr lang="en-US" altLang="x-none"/>
           </a:p>
@@ -2341,7 +2343,7 @@
             <a:fld id="{AA742258-FB98-3F4C-92C7-D00F89B753B5}" type="slidenum">
               <a:rPr lang="en-US" altLang="x-none" smtClean="0"/>
               <a:pPr/>
-              <a:t>11</a:t>
+              <a:t>12</a:t>
             </a:fld>
             <a:endParaRPr lang="en-US" altLang="x-none"/>
           </a:p>
@@ -2445,7 +2447,7 @@
             <a:fld id="{AA742258-FB98-3F4C-92C7-D00F89B753B5}" type="slidenum">
               <a:rPr lang="en-US" altLang="x-none" smtClean="0"/>
               <a:pPr/>
-              <a:t>13</a:t>
+              <a:t>14</a:t>
             </a:fld>
             <a:endParaRPr lang="en-US" altLang="x-none"/>
           </a:p>
@@ -2533,7 +2535,7 @@
             <a:fld id="{AA742258-FB98-3F4C-92C7-D00F89B753B5}" type="slidenum">
               <a:rPr lang="en-US" altLang="x-none" smtClean="0"/>
               <a:pPr/>
-              <a:t>20</a:t>
+              <a:t>21</a:t>
             </a:fld>
             <a:endParaRPr lang="en-US" altLang="x-none"/>
           </a:p>
@@ -2621,7 +2623,7 @@
             <a:fld id="{AA742258-FB98-3F4C-92C7-D00F89B753B5}" type="slidenum">
               <a:rPr lang="en-US" altLang="x-none" smtClean="0"/>
               <a:pPr/>
-              <a:t>21</a:t>
+              <a:t>22</a:t>
             </a:fld>
             <a:endParaRPr lang="en-US" altLang="x-none"/>
           </a:p>
@@ -2709,7 +2711,7 @@
             <a:fld id="{AA742258-FB98-3F4C-92C7-D00F89B753B5}" type="slidenum">
               <a:rPr lang="en-US" altLang="x-none" smtClean="0"/>
               <a:pPr/>
-              <a:t>23</a:t>
+              <a:t>24</a:t>
             </a:fld>
             <a:endParaRPr lang="en-US" altLang="x-none"/>
           </a:p>
@@ -4798,7 +4800,7 @@
               </a14:hiddenEffects>
             </a:ext>
             <a:ext uri="{FAA26D3D-D897-4be2-8F04-BA451C77F1D7}">
-              <ma14:placeholderFlag xmlns="" xmlns:ma14="http://schemas.microsoft.com/office/mac/drawingml/2011/main" val="1"/>
+              <ma14:placeholderFlag xmlns:ma14="http://schemas.microsoft.com/office/mac/drawingml/2011/main" xmlns="" val="1"/>
             </a:ext>
           </a:extLst>
         </p:spPr>
@@ -5378,7 +5380,7 @@
           <a:p>
             <a:r>
               <a:rPr lang="en-US" dirty="0"/>
-              <a:t>Control Flow: While Loops</a:t>
+              <a:t>Control Flow: For Loops</a:t>
             </a:r>
           </a:p>
         </p:txBody>
@@ -5403,6 +5405,231 @@
           <a:bodyPr/>
           <a:lstStyle/>
           <a:p>
+            <a:pPr marL="3175" indent="0">
+              <a:buNone/>
+            </a:pPr>
+            <a:r>
+              <a:rPr lang="en-US" sz="3200" dirty="0"/>
+              <a:t>Repeats the statements in the body </a:t>
+            </a:r>
+            <a:r>
+              <a:rPr lang="en-US" sz="3200" b="1" i="1" dirty="0"/>
+              <a:t>count</a:t>
+            </a:r>
+            <a:r>
+              <a:rPr lang="en-US" sz="3200" dirty="0"/>
+              <a:t> times:</a:t>
+            </a:r>
+            <a:endParaRPr lang="en-US" sz="3200" dirty="0">
+              <a:latin typeface="Courier" charset="0"/>
+              <a:ea typeface="Courier" charset="0"/>
+              <a:cs typeface="Courier" charset="0"/>
+            </a:endParaRPr>
+          </a:p>
+          <a:p>
+            <a:pPr marL="344487" lvl="1" indent="0">
+              <a:buNone/>
+            </a:pPr>
+            <a:endParaRPr lang="en-US" sz="3200" dirty="0">
+              <a:latin typeface="Courier" charset="0"/>
+              <a:ea typeface="Courier" charset="0"/>
+              <a:cs typeface="Courier" charset="0"/>
+            </a:endParaRPr>
+          </a:p>
+          <a:p>
+            <a:pPr marL="344487" lvl="1" indent="0">
+              <a:buNone/>
+            </a:pPr>
+            <a:r>
+              <a:rPr lang="en-US" sz="3200" dirty="0">
+                <a:latin typeface="Courier" charset="0"/>
+                <a:ea typeface="Courier" charset="0"/>
+                <a:cs typeface="Courier" charset="0"/>
+              </a:rPr>
+              <a:t>for </a:t>
+            </a:r>
+            <a:r>
+              <a:rPr lang="en-US" sz="3200" dirty="0" err="1">
+                <a:latin typeface="Courier" charset="0"/>
+                <a:ea typeface="Courier" charset="0"/>
+                <a:cs typeface="Courier" charset="0"/>
+              </a:rPr>
+              <a:t>i</a:t>
+            </a:r>
+            <a:r>
+              <a:rPr lang="en-US" sz="3200" dirty="0">
+                <a:latin typeface="Courier" charset="0"/>
+                <a:ea typeface="Courier" charset="0"/>
+                <a:cs typeface="Courier" charset="0"/>
+              </a:rPr>
+              <a:t> in range(</a:t>
+            </a:r>
+            <a:r>
+              <a:rPr lang="en-US" sz="3200" b="1" i="1" dirty="0">
+                <a:latin typeface="Courier" charset="0"/>
+                <a:ea typeface="Courier" charset="0"/>
+                <a:cs typeface="Courier" charset="0"/>
+              </a:rPr>
+              <a:t>count</a:t>
+            </a:r>
+            <a:r>
+              <a:rPr lang="en-US" sz="3200" dirty="0">
+                <a:latin typeface="Courier" charset="0"/>
+                <a:ea typeface="Courier" charset="0"/>
+                <a:cs typeface="Courier" charset="0"/>
+              </a:rPr>
+              <a:t>):</a:t>
+            </a:r>
+          </a:p>
+          <a:p>
+            <a:pPr marL="344487" lvl="1" indent="0">
+              <a:buNone/>
+            </a:pPr>
+            <a:r>
+              <a:rPr lang="en-US" sz="3200" dirty="0">
+                <a:latin typeface="Courier" charset="0"/>
+                <a:ea typeface="Courier" charset="0"/>
+                <a:cs typeface="Courier" charset="0"/>
+              </a:rPr>
+              <a:t>	</a:t>
+            </a:r>
+            <a:r>
+              <a:rPr lang="en-US" sz="3200" b="1" i="1" dirty="0">
+                <a:latin typeface="Courier" charset="0"/>
+                <a:ea typeface="Courier" charset="0"/>
+                <a:cs typeface="Courier" charset="0"/>
+              </a:rPr>
+              <a:t>statement</a:t>
+            </a:r>
+            <a:endParaRPr lang="en-US" sz="3200" dirty="0">
+              <a:latin typeface="Courier" charset="0"/>
+              <a:ea typeface="Courier" charset="0"/>
+              <a:cs typeface="Courier" charset="0"/>
+            </a:endParaRPr>
+          </a:p>
+          <a:p>
+            <a:pPr marL="344487" lvl="1" indent="0">
+              <a:buNone/>
+            </a:pPr>
+            <a:r>
+              <a:rPr lang="en-US" sz="3200" dirty="0">
+                <a:latin typeface="Courier" charset="0"/>
+                <a:ea typeface="Courier" charset="0"/>
+                <a:cs typeface="Courier" charset="0"/>
+              </a:rPr>
+              <a:t>	</a:t>
+            </a:r>
+            <a:r>
+              <a:rPr lang="en-US" sz="3200" b="1" i="1" dirty="0">
+                <a:latin typeface="Courier" charset="0"/>
+                <a:ea typeface="Courier" charset="0"/>
+                <a:cs typeface="Courier" charset="0"/>
+              </a:rPr>
+              <a:t>statement</a:t>
+            </a:r>
+            <a:endParaRPr lang="en-US" sz="3200" dirty="0">
+              <a:latin typeface="Courier" charset="0"/>
+              <a:ea typeface="Courier" charset="0"/>
+              <a:cs typeface="Courier" charset="0"/>
+            </a:endParaRPr>
+          </a:p>
+          <a:p>
+            <a:pPr marL="344487" lvl="1" indent="0">
+              <a:buNone/>
+            </a:pPr>
+            <a:r>
+              <a:rPr lang="en-US" sz="3200" dirty="0">
+                <a:latin typeface="Courier" charset="0"/>
+                <a:ea typeface="Courier" charset="0"/>
+                <a:cs typeface="Courier" charset="0"/>
+              </a:rPr>
+              <a:t>	...</a:t>
+            </a:r>
+          </a:p>
+          <a:p>
+            <a:pPr marL="344487" lvl="1" indent="0">
+              <a:buNone/>
+            </a:pPr>
+            <a:endParaRPr lang="en-US" sz="3200" dirty="0">
+              <a:latin typeface="Courier" charset="0"/>
+              <a:ea typeface="Courier" charset="0"/>
+              <a:cs typeface="Courier" charset="0"/>
+            </a:endParaRPr>
+          </a:p>
+        </p:txBody>
+      </p:sp>
+    </p:spTree>
+    <p:extLst>
+      <p:ext uri="{BB962C8B-B14F-4D97-AF65-F5344CB8AC3E}">
+        <p14:creationId xmlns:p14="http://schemas.microsoft.com/office/powerpoint/2010/main" val="1555610554"/>
+      </p:ext>
+    </p:extLst>
+  </p:cSld>
+  <p:clrMapOvr>
+    <a:masterClrMapping/>
+  </p:clrMapOvr>
+</p:sld>
+</file>
+
+<file path=ppt/slides/slide11.xml><?xml version="1.0" encoding="utf-8"?>
+<p:sld xmlns:a="http://schemas.openxmlformats.org/drawingml/2006/main" xmlns:r="http://schemas.openxmlformats.org/officeDocument/2006/relationships" xmlns:p="http://schemas.openxmlformats.org/presentationml/2006/main">
+  <p:cSld>
+    <p:spTree>
+      <p:nvGrpSpPr>
+        <p:cNvPr id="1" name=""/>
+        <p:cNvGrpSpPr/>
+        <p:nvPr/>
+      </p:nvGrpSpPr>
+      <p:grpSpPr>
+        <a:xfrm>
+          <a:off x="0" y="0"/>
+          <a:ext cx="0" cy="0"/>
+          <a:chOff x="0" y="0"/>
+          <a:chExt cx="0" cy="0"/>
+        </a:xfrm>
+      </p:grpSpPr>
+      <p:sp>
+        <p:nvSpPr>
+          <p:cNvPr id="2" name="Title 1"/>
+          <p:cNvSpPr>
+            <a:spLocks noGrp="1"/>
+          </p:cNvSpPr>
+          <p:nvPr>
+            <p:ph type="title"/>
+          </p:nvPr>
+        </p:nvSpPr>
+        <p:spPr/>
+        <p:txBody>
+          <a:bodyPr/>
+          <a:lstStyle/>
+          <a:p>
+            <a:r>
+              <a:rPr lang="en-US" dirty="0"/>
+              <a:t>Control Flow: While Loops</a:t>
+            </a:r>
+          </a:p>
+        </p:txBody>
+      </p:sp>
+      <p:sp>
+        <p:nvSpPr>
+          <p:cNvPr id="8" name="Content Placeholder 2"/>
+          <p:cNvSpPr>
+            <a:spLocks noGrp="1"/>
+          </p:cNvSpPr>
+          <p:nvPr>
+            <p:ph idx="1"/>
+          </p:nvPr>
+        </p:nvSpPr>
+        <p:spPr>
+          <a:xfrm>
+            <a:off x="152400" y="1295400"/>
+            <a:ext cx="11887200" cy="5181600"/>
+          </a:xfrm>
+        </p:spPr>
+        <p:txBody>
+          <a:bodyPr/>
+          <a:lstStyle/>
+          <a:p>
             <a:pPr marL="0" indent="-112713">
               <a:buNone/>
             </a:pPr>
@@ -5594,7 +5821,7 @@
 </p:sld>
 </file>
 
-<file path=ppt/slides/slide11.xml><?xml version="1.0" encoding="utf-8"?>
+<file path=ppt/slides/slide12.xml><?xml version="1.0" encoding="utf-8"?>
 <p:sld xmlns:a="http://schemas.openxmlformats.org/drawingml/2006/main" xmlns:r="http://schemas.openxmlformats.org/officeDocument/2006/relationships" xmlns:p="http://schemas.openxmlformats.org/presentationml/2006/main">
   <p:cSld>
     <p:spTree>
@@ -6446,7 +6673,7 @@
 </p:sld>
 </file>
 
-<file path=ppt/slides/slide12.xml><?xml version="1.0" encoding="utf-8"?>
+<file path=ppt/slides/slide13.xml><?xml version="1.0" encoding="utf-8"?>
 <p:sld xmlns:a="http://schemas.openxmlformats.org/drawingml/2006/main" xmlns:r="http://schemas.openxmlformats.org/officeDocument/2006/relationships" xmlns:p="http://schemas.openxmlformats.org/presentationml/2006/main">
   <p:cSld>
     <p:spTree>
@@ -8594,7 +8821,7 @@
 </p:sld>
 </file>
 
-<file path=ppt/slides/slide13.xml><?xml version="1.0" encoding="utf-8"?>
+<file path=ppt/slides/slide14.xml><?xml version="1.0" encoding="utf-8"?>
 <p:sld xmlns:a="http://schemas.openxmlformats.org/drawingml/2006/main" xmlns:r="http://schemas.openxmlformats.org/officeDocument/2006/relationships" xmlns:p="http://schemas.openxmlformats.org/presentationml/2006/main">
   <p:cSld>
     <p:spTree>
@@ -8981,7 +9208,7 @@
 </p:sld>
 </file>
 
-<file path=ppt/slides/slide14.xml><?xml version="1.0" encoding="utf-8"?>
+<file path=ppt/slides/slide15.xml><?xml version="1.0" encoding="utf-8"?>
 <p:sld xmlns:a="http://schemas.openxmlformats.org/drawingml/2006/main" xmlns:r="http://schemas.openxmlformats.org/officeDocument/2006/relationships" xmlns:p="http://schemas.openxmlformats.org/presentationml/2006/main">
   <p:cSld>
     <p:spTree>
@@ -10353,7 +10580,7 @@
 </p:sld>
 </file>
 
-<file path=ppt/slides/slide15.xml><?xml version="1.0" encoding="utf-8"?>
+<file path=ppt/slides/slide16.xml><?xml version="1.0" encoding="utf-8"?>
 <p:sld xmlns:a="http://schemas.openxmlformats.org/drawingml/2006/main" xmlns:r="http://schemas.openxmlformats.org/officeDocument/2006/relationships" xmlns:p="http://schemas.openxmlformats.org/presentationml/2006/main">
   <p:cSld>
     <p:spTree>
@@ -10463,7 +10690,7 @@
 </p:sld>
 </file>
 
-<file path=ppt/slides/slide16.xml><?xml version="1.0" encoding="utf-8"?>
+<file path=ppt/slides/slide17.xml><?xml version="1.0" encoding="utf-8"?>
 <p:sld xmlns:a="http://schemas.openxmlformats.org/drawingml/2006/main" xmlns:r="http://schemas.openxmlformats.org/officeDocument/2006/relationships" xmlns:p="http://schemas.openxmlformats.org/presentationml/2006/main">
   <p:cSld>
     <p:spTree>
@@ -10844,7 +11071,7 @@
 </p:sld>
 </file>
 
-<file path=ppt/slides/slide17.xml><?xml version="1.0" encoding="utf-8"?>
+<file path=ppt/slides/slide18.xml><?xml version="1.0" encoding="utf-8"?>
 <p:sld xmlns:a="http://schemas.openxmlformats.org/drawingml/2006/main" xmlns:r="http://schemas.openxmlformats.org/officeDocument/2006/relationships" xmlns:p="http://schemas.openxmlformats.org/presentationml/2006/main">
   <p:cSld>
     <p:spTree>
@@ -10981,7 +11208,7 @@
 </p:sld>
 </file>
 
-<file path=ppt/slides/slide18.xml><?xml version="1.0" encoding="utf-8"?>
+<file path=ppt/slides/slide19.xml><?xml version="1.0" encoding="utf-8"?>
 <p:sld xmlns:a="http://schemas.openxmlformats.org/drawingml/2006/main" xmlns:r="http://schemas.openxmlformats.org/officeDocument/2006/relationships" xmlns:p="http://schemas.openxmlformats.org/presentationml/2006/main">
   <p:cSld>
     <p:spTree>
@@ -11088,7 +11315,261 @@
 </p:sld>
 </file>
 
-<file path=ppt/slides/slide19.xml><?xml version="1.0" encoding="utf-8"?>
+<file path=ppt/slides/slide2.xml><?xml version="1.0" encoding="utf-8"?>
+<p:sld xmlns:a="http://schemas.openxmlformats.org/drawingml/2006/main" xmlns:r="http://schemas.openxmlformats.org/officeDocument/2006/relationships" xmlns:p="http://schemas.openxmlformats.org/presentationml/2006/main">
+  <p:cSld>
+    <p:spTree>
+      <p:nvGrpSpPr>
+        <p:cNvPr id="1" name=""/>
+        <p:cNvGrpSpPr/>
+        <p:nvPr/>
+      </p:nvGrpSpPr>
+      <p:grpSpPr>
+        <a:xfrm>
+          <a:off x="0" y="0"/>
+          <a:ext cx="0" cy="0"/>
+          <a:chOff x="0" y="0"/>
+          <a:chExt cx="0" cy="0"/>
+        </a:xfrm>
+      </p:grpSpPr>
+      <p:sp>
+        <p:nvSpPr>
+          <p:cNvPr id="5" name="Rectangle 4"/>
+          <p:cNvSpPr/>
+          <p:nvPr/>
+        </p:nvSpPr>
+        <p:spPr>
+          <a:xfrm>
+            <a:off x="0" y="1143000"/>
+            <a:ext cx="12192000" cy="5715001"/>
+          </a:xfrm>
+          <a:prstGeom prst="rect">
+            <a:avLst/>
+          </a:prstGeom>
+          <a:solidFill>
+            <a:srgbClr val="86D0FD"/>
+          </a:solidFill>
+          <a:ln>
+            <a:noFill/>
+          </a:ln>
+          <a:effectLst/>
+        </p:spPr>
+        <p:style>
+          <a:lnRef idx="1">
+            <a:schemeClr val="accent1"/>
+          </a:lnRef>
+          <a:fillRef idx="3">
+            <a:schemeClr val="accent1"/>
+          </a:fillRef>
+          <a:effectRef idx="2">
+            <a:schemeClr val="accent1"/>
+          </a:effectRef>
+          <a:fontRef idx="minor">
+            <a:schemeClr val="lt1"/>
+          </a:fontRef>
+        </p:style>
+        <p:txBody>
+          <a:bodyPr rtlCol="0" anchor="ctr"/>
+          <a:lstStyle/>
+          <a:p>
+            <a:pPr algn="ctr"/>
+            <a:endParaRPr lang="en-US"/>
+          </a:p>
+        </p:txBody>
+      </p:sp>
+      <p:pic>
+        <p:nvPicPr>
+          <p:cNvPr id="6" name="Picture 5"/>
+          <p:cNvPicPr>
+            <a:picLocks noChangeAspect="1"/>
+          </p:cNvPicPr>
+          <p:nvPr/>
+        </p:nvPicPr>
+        <p:blipFill>
+          <a:blip r:embed="rId2"/>
+          <a:stretch>
+            <a:fillRect/>
+          </a:stretch>
+        </p:blipFill>
+        <p:spPr>
+          <a:xfrm>
+            <a:off x="-152400" y="1522672"/>
+            <a:ext cx="12192000" cy="5678049"/>
+          </a:xfrm>
+          <a:prstGeom prst="rect">
+            <a:avLst/>
+          </a:prstGeom>
+        </p:spPr>
+      </p:pic>
+      <p:sp>
+        <p:nvSpPr>
+          <p:cNvPr id="18" name="TextBox 17"/>
+          <p:cNvSpPr txBox="1"/>
+          <p:nvPr/>
+        </p:nvSpPr>
+        <p:spPr>
+          <a:xfrm>
+            <a:off x="1800883" y="1752600"/>
+            <a:ext cx="8285434" cy="1200329"/>
+          </a:xfrm>
+          <a:prstGeom prst="rect">
+            <a:avLst/>
+          </a:prstGeom>
+          <a:noFill/>
+        </p:spPr>
+        <p:txBody>
+          <a:bodyPr wrap="square" rtlCol="0">
+            <a:spAutoFit/>
+          </a:bodyPr>
+          <a:lstStyle/>
+          <a:p>
+            <a:pPr marL="457200" indent="-457200" algn="ctr">
+              <a:buAutoNum type="arabicPeriod"/>
+            </a:pPr>
+            <a:r>
+              <a:rPr lang="en-US" sz="2400" dirty="0">
+                <a:latin typeface="Chalkboard"/>
+                <a:cs typeface="Chalkboard"/>
+              </a:rPr>
+              <a:t>Code using conditions</a:t>
+            </a:r>
+          </a:p>
+          <a:p>
+            <a:pPr marL="457200" indent="-457200" algn="ctr">
+              <a:buAutoNum type="arabicPeriod"/>
+            </a:pPr>
+            <a:r>
+              <a:rPr lang="en-US" sz="2400" dirty="0">
+                <a:latin typeface="Chalkboard"/>
+                <a:cs typeface="Chalkboard"/>
+              </a:rPr>
+              <a:t>Trace programs that use loops and conditions</a:t>
+            </a:r>
+          </a:p>
+          <a:p>
+            <a:pPr marL="457200" indent="-457200" algn="ctr">
+              <a:buAutoNum type="arabicPeriod"/>
+            </a:pPr>
+            <a:r>
+              <a:rPr lang="en-US" sz="2400" dirty="0">
+                <a:latin typeface="Chalkboard"/>
+                <a:cs typeface="Chalkboard"/>
+              </a:rPr>
+              <a:t>Decomposition and top-down design</a:t>
+            </a:r>
+          </a:p>
+        </p:txBody>
+      </p:sp>
+      <p:pic>
+        <p:nvPicPr>
+          <p:cNvPr id="7" name="Picture 6"/>
+          <p:cNvPicPr>
+            <a:picLocks noChangeAspect="1"/>
+          </p:cNvPicPr>
+          <p:nvPr/>
+        </p:nvPicPr>
+        <p:blipFill>
+          <a:blip r:embed="rId3">
+            <a:extLst>
+              <a:ext uri="{BEBA8EAE-BF5A-486C-A8C5-ECC9F3942E4B}">
+                <a14:imgProps xmlns:a14="http://schemas.microsoft.com/office/drawing/2010/main">
+                  <a14:imgLayer r:embed="rId4">
+                    <a14:imgEffect>
+                      <a14:backgroundRemoval t="2494" b="98005" l="10000" r="90000"/>
+                    </a14:imgEffect>
+                  </a14:imgLayer>
+                </a14:imgProps>
+              </a:ext>
+            </a:extLst>
+          </a:blip>
+          <a:stretch>
+            <a:fillRect/>
+          </a:stretch>
+        </p:blipFill>
+        <p:spPr>
+          <a:xfrm>
+            <a:off x="4129712" y="3292137"/>
+            <a:ext cx="1746823" cy="1893180"/>
+          </a:xfrm>
+          <a:prstGeom prst="rect">
+            <a:avLst/>
+          </a:prstGeom>
+        </p:spPr>
+      </p:pic>
+      <p:sp>
+        <p:nvSpPr>
+          <p:cNvPr id="8" name="Rectangle 2">
+            <a:extLst>
+              <a:ext uri="{FF2B5EF4-FFF2-40B4-BE49-F238E27FC236}">
+                <a16:creationId xmlns:a16="http://schemas.microsoft.com/office/drawing/2014/main" id="{5B38E829-0E61-B54D-943D-3ECADCE8E851}"/>
+              </a:ext>
+            </a:extLst>
+          </p:cNvPr>
+          <p:cNvSpPr txBox="1">
+            <a:spLocks noChangeArrowheads="1"/>
+          </p:cNvSpPr>
+          <p:nvPr/>
+        </p:nvSpPr>
+        <p:spPr>
+          <a:xfrm>
+            <a:off x="457200" y="0"/>
+            <a:ext cx="11277600" cy="1143000"/>
+          </a:xfrm>
+          <a:prstGeom prst="rect">
+            <a:avLst/>
+          </a:prstGeom>
+        </p:spPr>
+        <p:txBody>
+          <a:bodyPr anchor="ctr"/>
+          <a:lstStyle>
+            <a:lvl1pPr algn="l" defTabSz="914400" rtl="0" eaLnBrk="1" latinLnBrk="0" hangingPunct="1">
+              <a:lnSpc>
+                <a:spcPct val="90000"/>
+              </a:lnSpc>
+              <a:spcBef>
+                <a:spcPct val="0"/>
+              </a:spcBef>
+              <a:buNone/>
+              <a:defRPr sz="4400" kern="1200">
+                <a:solidFill>
+                  <a:schemeClr val="tx1"/>
+                </a:solidFill>
+                <a:latin typeface="+mj-lt"/>
+                <a:ea typeface="+mj-ea"/>
+                <a:cs typeface="+mj-cs"/>
+              </a:defRPr>
+            </a:lvl1pPr>
+          </a:lstStyle>
+          <a:p>
+            <a:pPr algn="ctr"/>
+            <a:r>
+              <a:rPr lang="en-US" altLang="x-none" b="1" dirty="0">
+                <a:solidFill>
+                  <a:schemeClr val="bg1"/>
+                </a:solidFill>
+                <a:latin typeface="Tahoma" panose="020B0604030504040204" pitchFamily="34" charset="0"/>
+                <a:ea typeface="Tahoma" panose="020B0604030504040204" pitchFamily="34" charset="0"/>
+                <a:cs typeface="Tahoma" panose="020B0604030504040204" pitchFamily="34" charset="0"/>
+              </a:rPr>
+              <a:t>Learning Goals</a:t>
+            </a:r>
+          </a:p>
+        </p:txBody>
+      </p:sp>
+    </p:spTree>
+    <p:extLst>
+      <p:ext uri="{BB962C8B-B14F-4D97-AF65-F5344CB8AC3E}">
+        <p14:creationId xmlns:p14="http://schemas.microsoft.com/office/powerpoint/2010/main" val="959240611"/>
+      </p:ext>
+    </p:extLst>
+  </p:cSld>
+  <p:clrMapOvr>
+    <a:masterClrMapping/>
+  </p:clrMapOvr>
+</p:sld>
+</file>
+
+<file path=ppt/slides/slide20.xml><?xml version="1.0" encoding="utf-8"?>
 <p:sld xmlns:a="http://schemas.openxmlformats.org/drawingml/2006/main" xmlns:r="http://schemas.openxmlformats.org/officeDocument/2006/relationships" xmlns:p="http://schemas.openxmlformats.org/presentationml/2006/main">
   <p:cSld>
     <p:spTree>
@@ -11416,261 +11897,7 @@
 </p:sld>
 </file>
 
-<file path=ppt/slides/slide2.xml><?xml version="1.0" encoding="utf-8"?>
-<p:sld xmlns:a="http://schemas.openxmlformats.org/drawingml/2006/main" xmlns:r="http://schemas.openxmlformats.org/officeDocument/2006/relationships" xmlns:p="http://schemas.openxmlformats.org/presentationml/2006/main">
-  <p:cSld>
-    <p:spTree>
-      <p:nvGrpSpPr>
-        <p:cNvPr id="1" name=""/>
-        <p:cNvGrpSpPr/>
-        <p:nvPr/>
-      </p:nvGrpSpPr>
-      <p:grpSpPr>
-        <a:xfrm>
-          <a:off x="0" y="0"/>
-          <a:ext cx="0" cy="0"/>
-          <a:chOff x="0" y="0"/>
-          <a:chExt cx="0" cy="0"/>
-        </a:xfrm>
-      </p:grpSpPr>
-      <p:sp>
-        <p:nvSpPr>
-          <p:cNvPr id="5" name="Rectangle 4"/>
-          <p:cNvSpPr/>
-          <p:nvPr/>
-        </p:nvSpPr>
-        <p:spPr>
-          <a:xfrm>
-            <a:off x="0" y="1143000"/>
-            <a:ext cx="12192000" cy="5715001"/>
-          </a:xfrm>
-          <a:prstGeom prst="rect">
-            <a:avLst/>
-          </a:prstGeom>
-          <a:solidFill>
-            <a:srgbClr val="86D0FD"/>
-          </a:solidFill>
-          <a:ln>
-            <a:noFill/>
-          </a:ln>
-          <a:effectLst/>
-        </p:spPr>
-        <p:style>
-          <a:lnRef idx="1">
-            <a:schemeClr val="accent1"/>
-          </a:lnRef>
-          <a:fillRef idx="3">
-            <a:schemeClr val="accent1"/>
-          </a:fillRef>
-          <a:effectRef idx="2">
-            <a:schemeClr val="accent1"/>
-          </a:effectRef>
-          <a:fontRef idx="minor">
-            <a:schemeClr val="lt1"/>
-          </a:fontRef>
-        </p:style>
-        <p:txBody>
-          <a:bodyPr rtlCol="0" anchor="ctr"/>
-          <a:lstStyle/>
-          <a:p>
-            <a:pPr algn="ctr"/>
-            <a:endParaRPr lang="en-US"/>
-          </a:p>
-        </p:txBody>
-      </p:sp>
-      <p:pic>
-        <p:nvPicPr>
-          <p:cNvPr id="6" name="Picture 5"/>
-          <p:cNvPicPr>
-            <a:picLocks noChangeAspect="1"/>
-          </p:cNvPicPr>
-          <p:nvPr/>
-        </p:nvPicPr>
-        <p:blipFill>
-          <a:blip r:embed="rId2"/>
-          <a:stretch>
-            <a:fillRect/>
-          </a:stretch>
-        </p:blipFill>
-        <p:spPr>
-          <a:xfrm>
-            <a:off x="-152400" y="1522672"/>
-            <a:ext cx="12192000" cy="5678049"/>
-          </a:xfrm>
-          <a:prstGeom prst="rect">
-            <a:avLst/>
-          </a:prstGeom>
-        </p:spPr>
-      </p:pic>
-      <p:sp>
-        <p:nvSpPr>
-          <p:cNvPr id="18" name="TextBox 17"/>
-          <p:cNvSpPr txBox="1"/>
-          <p:nvPr/>
-        </p:nvSpPr>
-        <p:spPr>
-          <a:xfrm>
-            <a:off x="1800883" y="1752600"/>
-            <a:ext cx="8285434" cy="1200329"/>
-          </a:xfrm>
-          <a:prstGeom prst="rect">
-            <a:avLst/>
-          </a:prstGeom>
-          <a:noFill/>
-        </p:spPr>
-        <p:txBody>
-          <a:bodyPr wrap="square" rtlCol="0">
-            <a:spAutoFit/>
-          </a:bodyPr>
-          <a:lstStyle/>
-          <a:p>
-            <a:pPr marL="457200" indent="-457200" algn="ctr">
-              <a:buAutoNum type="arabicPeriod"/>
-            </a:pPr>
-            <a:r>
-              <a:rPr lang="en-US" sz="2400" dirty="0">
-                <a:latin typeface="Chalkboard"/>
-                <a:cs typeface="Chalkboard"/>
-              </a:rPr>
-              <a:t>Code using conditions</a:t>
-            </a:r>
-          </a:p>
-          <a:p>
-            <a:pPr marL="457200" indent="-457200" algn="ctr">
-              <a:buAutoNum type="arabicPeriod"/>
-            </a:pPr>
-            <a:r>
-              <a:rPr lang="en-US" sz="2400" dirty="0">
-                <a:latin typeface="Chalkboard"/>
-                <a:cs typeface="Chalkboard"/>
-              </a:rPr>
-              <a:t>Trace programs that use loops and conditions</a:t>
-            </a:r>
-          </a:p>
-          <a:p>
-            <a:pPr marL="457200" indent="-457200" algn="ctr">
-              <a:buAutoNum type="arabicPeriod"/>
-            </a:pPr>
-            <a:r>
-              <a:rPr lang="en-US" sz="2400" dirty="0">
-                <a:latin typeface="Chalkboard"/>
-                <a:cs typeface="Chalkboard"/>
-              </a:rPr>
-              <a:t>Decomposition and top-down design</a:t>
-            </a:r>
-          </a:p>
-        </p:txBody>
-      </p:sp>
-      <p:pic>
-        <p:nvPicPr>
-          <p:cNvPr id="7" name="Picture 6"/>
-          <p:cNvPicPr>
-            <a:picLocks noChangeAspect="1"/>
-          </p:cNvPicPr>
-          <p:nvPr/>
-        </p:nvPicPr>
-        <p:blipFill>
-          <a:blip r:embed="rId3">
-            <a:extLst>
-              <a:ext uri="{BEBA8EAE-BF5A-486C-A8C5-ECC9F3942E4B}">
-                <a14:imgProps xmlns:a14="http://schemas.microsoft.com/office/drawing/2010/main">
-                  <a14:imgLayer r:embed="rId4">
-                    <a14:imgEffect>
-                      <a14:backgroundRemoval t="2494" b="98005" l="10000" r="90000"/>
-                    </a14:imgEffect>
-                  </a14:imgLayer>
-                </a14:imgProps>
-              </a:ext>
-            </a:extLst>
-          </a:blip>
-          <a:stretch>
-            <a:fillRect/>
-          </a:stretch>
-        </p:blipFill>
-        <p:spPr>
-          <a:xfrm>
-            <a:off x="4129712" y="3292137"/>
-            <a:ext cx="1746823" cy="1893180"/>
-          </a:xfrm>
-          <a:prstGeom prst="rect">
-            <a:avLst/>
-          </a:prstGeom>
-        </p:spPr>
-      </p:pic>
-      <p:sp>
-        <p:nvSpPr>
-          <p:cNvPr id="8" name="Rectangle 2">
-            <a:extLst>
-              <a:ext uri="{FF2B5EF4-FFF2-40B4-BE49-F238E27FC236}">
-                <a16:creationId xmlns:a16="http://schemas.microsoft.com/office/drawing/2014/main" id="{5B38E829-0E61-B54D-943D-3ECADCE8E851}"/>
-              </a:ext>
-            </a:extLst>
-          </p:cNvPr>
-          <p:cNvSpPr txBox="1">
-            <a:spLocks noChangeArrowheads="1"/>
-          </p:cNvSpPr>
-          <p:nvPr/>
-        </p:nvSpPr>
-        <p:spPr>
-          <a:xfrm>
-            <a:off x="457200" y="0"/>
-            <a:ext cx="11277600" cy="1143000"/>
-          </a:xfrm>
-          <a:prstGeom prst="rect">
-            <a:avLst/>
-          </a:prstGeom>
-        </p:spPr>
-        <p:txBody>
-          <a:bodyPr anchor="ctr"/>
-          <a:lstStyle>
-            <a:lvl1pPr algn="l" defTabSz="914400" rtl="0" eaLnBrk="1" latinLnBrk="0" hangingPunct="1">
-              <a:lnSpc>
-                <a:spcPct val="90000"/>
-              </a:lnSpc>
-              <a:spcBef>
-                <a:spcPct val="0"/>
-              </a:spcBef>
-              <a:buNone/>
-              <a:defRPr sz="4400" kern="1200">
-                <a:solidFill>
-                  <a:schemeClr val="tx1"/>
-                </a:solidFill>
-                <a:latin typeface="+mj-lt"/>
-                <a:ea typeface="+mj-ea"/>
-                <a:cs typeface="+mj-cs"/>
-              </a:defRPr>
-            </a:lvl1pPr>
-          </a:lstStyle>
-          <a:p>
-            <a:pPr algn="ctr"/>
-            <a:r>
-              <a:rPr lang="en-US" altLang="x-none" b="1" dirty="0">
-                <a:solidFill>
-                  <a:schemeClr val="bg1"/>
-                </a:solidFill>
-                <a:latin typeface="Tahoma" panose="020B0604030504040204" pitchFamily="34" charset="0"/>
-                <a:ea typeface="Tahoma" panose="020B0604030504040204" pitchFamily="34" charset="0"/>
-                <a:cs typeface="Tahoma" panose="020B0604030504040204" pitchFamily="34" charset="0"/>
-              </a:rPr>
-              <a:t>Learning Goals</a:t>
-            </a:r>
-          </a:p>
-        </p:txBody>
-      </p:sp>
-    </p:spTree>
-    <p:extLst>
-      <p:ext uri="{BB962C8B-B14F-4D97-AF65-F5344CB8AC3E}">
-        <p14:creationId xmlns:p14="http://schemas.microsoft.com/office/powerpoint/2010/main" val="959240611"/>
-      </p:ext>
-    </p:extLst>
-  </p:cSld>
-  <p:clrMapOvr>
-    <a:masterClrMapping/>
-  </p:clrMapOvr>
-</p:sld>
-</file>
-
-<file path=ppt/slides/slide20.xml><?xml version="1.0" encoding="utf-8"?>
+<file path=ppt/slides/slide21.xml><?xml version="1.0" encoding="utf-8"?>
 <p:sld xmlns:a="http://schemas.openxmlformats.org/drawingml/2006/main" xmlns:r="http://schemas.openxmlformats.org/officeDocument/2006/relationships" xmlns:p="http://schemas.openxmlformats.org/presentationml/2006/main">
   <p:cSld>
     <p:spTree>
@@ -12007,7 +12234,7 @@
 </p:sld>
 </file>
 
-<file path=ppt/slides/slide21.xml><?xml version="1.0" encoding="utf-8"?>
+<file path=ppt/slides/slide22.xml><?xml version="1.0" encoding="utf-8"?>
 <p:sld xmlns:a="http://schemas.openxmlformats.org/drawingml/2006/main" xmlns:r="http://schemas.openxmlformats.org/officeDocument/2006/relationships" xmlns:p="http://schemas.openxmlformats.org/presentationml/2006/main">
   <p:cSld>
     <p:spTree>
@@ -12250,7 +12477,7 @@
 </p:sld>
 </file>
 
-<file path=ppt/slides/slide22.xml><?xml version="1.0" encoding="utf-8"?>
+<file path=ppt/slides/slide23.xml><?xml version="1.0" encoding="utf-8"?>
 <p:sld xmlns:a="http://schemas.openxmlformats.org/drawingml/2006/main" xmlns:r="http://schemas.openxmlformats.org/officeDocument/2006/relationships" xmlns:p="http://schemas.openxmlformats.org/presentationml/2006/main">
   <p:cSld>
     <p:spTree>
@@ -12499,7 +12726,7 @@
 </p:sld>
 </file>
 
-<file path=ppt/slides/slide23.xml><?xml version="1.0" encoding="utf-8"?>
+<file path=ppt/slides/slide24.xml><?xml version="1.0" encoding="utf-8"?>
 <p:sld xmlns:a="http://schemas.openxmlformats.org/drawingml/2006/main" xmlns:r="http://schemas.openxmlformats.org/officeDocument/2006/relationships" xmlns:p="http://schemas.openxmlformats.org/presentationml/2006/main">
   <p:cSld>
     <p:spTree>
@@ -12601,7 +12828,7 @@
               </a14:hiddenEffects>
             </a:ext>
             <a:ext uri="{FAA26D3D-D897-4be2-8F04-BA451C77F1D7}">
-              <ma14:placeholderFlag xmlns="" xmlns:ma14="http://schemas.microsoft.com/office/mac/drawingml/2011/main" val="1"/>
+              <ma14:placeholderFlag xmlns:ma14="http://schemas.microsoft.com/office/mac/drawingml/2011/main" xmlns="" val="1"/>
             </a:ext>
           </a:extLst>
         </p:spPr>
@@ -13741,7 +13968,7 @@
 </p:sld>
 </file>
 
-<file path=ppt/slides/slide24.xml><?xml version="1.0" encoding="utf-8"?>
+<file path=ppt/slides/slide25.xml><?xml version="1.0" encoding="utf-8"?>
 <p:sld xmlns:a="http://schemas.openxmlformats.org/drawingml/2006/main" xmlns:r="http://schemas.openxmlformats.org/officeDocument/2006/relationships" xmlns:p="http://schemas.openxmlformats.org/presentationml/2006/main">
   <p:cSld>
     <p:spTree>
@@ -14071,7 +14298,7 @@
 </p:sld>
 </file>
 
-<file path=ppt/slides/slide25.xml><?xml version="1.0" encoding="utf-8"?>
+<file path=ppt/slides/slide26.xml><?xml version="1.0" encoding="utf-8"?>
 <p:sld xmlns:a="http://schemas.openxmlformats.org/drawingml/2006/main" xmlns:r="http://schemas.openxmlformats.org/officeDocument/2006/relationships" xmlns:p="http://schemas.openxmlformats.org/presentationml/2006/main">
   <p:cSld>
     <p:spTree>
@@ -14283,7 +14510,7 @@
 </p:sld>
 </file>
 
-<file path=ppt/slides/slide26.xml><?xml version="1.0" encoding="utf-8"?>
+<file path=ppt/slides/slide27.xml><?xml version="1.0" encoding="utf-8"?>
 <p:sld xmlns:a="http://schemas.openxmlformats.org/drawingml/2006/main" xmlns:r="http://schemas.openxmlformats.org/officeDocument/2006/relationships" xmlns:p="http://schemas.openxmlformats.org/presentationml/2006/main">
   <p:cSld>
     <p:spTree>
@@ -14385,7 +14612,7 @@
               </a14:hiddenEffects>
             </a:ext>
             <a:ext uri="{FAA26D3D-D897-4be2-8F04-BA451C77F1D7}">
-              <ma14:placeholderFlag xmlns="" xmlns:ma14="http://schemas.microsoft.com/office/mac/drawingml/2011/main" val="1"/>
+              <ma14:placeholderFlag xmlns:ma14="http://schemas.microsoft.com/office/mac/drawingml/2011/main" xmlns="" val="1"/>
             </a:ext>
           </a:extLst>
         </p:spPr>
@@ -15877,7 +16104,7 @@
 </p:sld>
 </file>
 
-<file path=ppt/slides/slide27.xml><?xml version="1.0" encoding="utf-8"?>
+<file path=ppt/slides/slide28.xml><?xml version="1.0" encoding="utf-8"?>
 <p:sld xmlns:a="http://schemas.openxmlformats.org/drawingml/2006/main" xmlns:r="http://schemas.openxmlformats.org/officeDocument/2006/relationships" xmlns:p="http://schemas.openxmlformats.org/presentationml/2006/main">
   <p:cSld>
     <p:spTree>
@@ -16323,7 +16550,7 @@
 </p:sld>
 </file>
 
-<file path=ppt/slides/slide28.xml><?xml version="1.0" encoding="utf-8"?>
+<file path=ppt/slides/slide29.xml><?xml version="1.0" encoding="utf-8"?>
 <p:sld xmlns:a="http://schemas.openxmlformats.org/drawingml/2006/main" xmlns:r="http://schemas.openxmlformats.org/officeDocument/2006/relationships" xmlns:p="http://schemas.openxmlformats.org/presentationml/2006/main">
   <p:cSld>
     <p:spTree>
@@ -16451,80 +16678,6 @@
     <p:extLst>
       <p:ext uri="{BB962C8B-B14F-4D97-AF65-F5344CB8AC3E}">
         <p14:creationId xmlns:p14="http://schemas.microsoft.com/office/powerpoint/2010/main" val="1927285533"/>
-      </p:ext>
-    </p:extLst>
-  </p:cSld>
-  <p:clrMapOvr>
-    <a:masterClrMapping/>
-  </p:clrMapOvr>
-</p:sld>
-</file>
-
-<file path=ppt/slides/slide29.xml><?xml version="1.0" encoding="utf-8"?>
-<p:sld xmlns:a="http://schemas.openxmlformats.org/drawingml/2006/main" xmlns:r="http://schemas.openxmlformats.org/officeDocument/2006/relationships" xmlns:p="http://schemas.openxmlformats.org/presentationml/2006/main">
-  <p:cSld>
-    <p:spTree>
-      <p:nvGrpSpPr>
-        <p:cNvPr id="1" name=""/>
-        <p:cNvGrpSpPr/>
-        <p:nvPr/>
-      </p:nvGrpSpPr>
-      <p:grpSpPr>
-        <a:xfrm>
-          <a:off x="0" y="0"/>
-          <a:ext cx="0" cy="0"/>
-          <a:chOff x="0" y="0"/>
-          <a:chExt cx="0" cy="0"/>
-        </a:xfrm>
-      </p:grpSpPr>
-      <p:sp>
-        <p:nvSpPr>
-          <p:cNvPr id="2" name="Title 1"/>
-          <p:cNvSpPr>
-            <a:spLocks noGrp="1"/>
-          </p:cNvSpPr>
-          <p:nvPr>
-            <p:ph type="title"/>
-          </p:nvPr>
-        </p:nvSpPr>
-        <p:spPr/>
-        <p:txBody>
-          <a:bodyPr/>
-          <a:lstStyle/>
-          <a:p>
-            <a:r>
-              <a:rPr lang="en-US" dirty="0"/>
-              <a:t>Decomposition</a:t>
-            </a:r>
-          </a:p>
-        </p:txBody>
-      </p:sp>
-      <p:sp>
-        <p:nvSpPr>
-          <p:cNvPr id="3" name="Content Placeholder 2"/>
-          <p:cNvSpPr>
-            <a:spLocks noGrp="1"/>
-          </p:cNvSpPr>
-          <p:nvPr>
-            <p:ph idx="1"/>
-          </p:nvPr>
-        </p:nvSpPr>
-        <p:spPr/>
-        <p:txBody>
-          <a:bodyPr/>
-          <a:lstStyle/>
-          <a:p>
-            <a:r>
-              <a:rPr lang="en-US" dirty="0"/>
-              <a:t>Breaking down problems into smaller, more approachable sub-problems (e.g. our own Karel commands)</a:t>
-            </a:r>
-          </a:p>
-        </p:txBody>
-      </p:sp>
-    </p:spTree>
-    <p:extLst>
-      <p:ext uri="{BB962C8B-B14F-4D97-AF65-F5344CB8AC3E}">
-        <p14:creationId xmlns:p14="http://schemas.microsoft.com/office/powerpoint/2010/main" val="1410325958"/>
       </p:ext>
     </p:extLst>
   </p:cSld>
@@ -16669,7 +16822,7 @@
           <a:p>
             <a:r>
               <a:rPr lang="en-US" dirty="0"/>
-              <a:t>Top-Down Design</a:t>
+              <a:t>Decomposition</a:t>
             </a:r>
           </a:p>
         </p:txBody>
@@ -16690,38 +16843,8 @@
           <a:lstStyle/>
           <a:p>
             <a:r>
-              <a:rPr lang="en-US" sz="3200" dirty="0"/>
-              <a:t>Start from a large task and break it up into smaller pieces</a:t>
-            </a:r>
-          </a:p>
-          <a:p>
-            <a:r>
-              <a:rPr lang="en-US" sz="3200" dirty="0"/>
-              <a:t>Ok to write your program in terms of commands that don’t exist yet</a:t>
-            </a:r>
-          </a:p>
-          <a:p>
-            <a:r>
-              <a:rPr lang="en-US" sz="3200" b="1" dirty="0"/>
-              <a:t>Goal</a:t>
-            </a:r>
-            <a:r>
-              <a:rPr lang="en-US" sz="3200" dirty="0"/>
-              <a:t>: make our programs easily readable by humans</a:t>
-            </a:r>
-          </a:p>
-          <a:p>
-            <a:pPr lvl="1"/>
-            <a:r>
-              <a:rPr lang="en-US" sz="2800" dirty="0"/>
-              <a:t>Commenting</a:t>
-            </a:r>
-          </a:p>
-          <a:p>
-            <a:pPr lvl="1"/>
-            <a:r>
-              <a:rPr lang="en-US" sz="2800" dirty="0"/>
-              <a:t>Decomposition</a:t>
+              <a:rPr lang="en-US" dirty="0"/>
+              <a:t>Breaking down problems into smaller, more approachable sub-problems (e.g. our own Karel commands)</a:t>
             </a:r>
           </a:p>
         </p:txBody>
@@ -16729,7 +16852,7 @@
     </p:spTree>
     <p:extLst>
       <p:ext uri="{BB962C8B-B14F-4D97-AF65-F5344CB8AC3E}">
-        <p14:creationId xmlns:p14="http://schemas.microsoft.com/office/powerpoint/2010/main" val="2700700155"/>
+        <p14:creationId xmlns:p14="http://schemas.microsoft.com/office/powerpoint/2010/main" val="1410325958"/>
       </p:ext>
     </p:extLst>
   </p:cSld>
@@ -16773,7 +16896,7 @@
           <a:p>
             <a:r>
               <a:rPr lang="en-US" dirty="0"/>
-              <a:t>Decomposition and Top-Down Design</a:t>
+              <a:t>Top-Down Design</a:t>
             </a:r>
           </a:p>
         </p:txBody>
@@ -16788,184 +16911,44 @@
             <p:ph idx="1"/>
           </p:nvPr>
         </p:nvSpPr>
-        <p:spPr>
-          <a:xfrm>
-            <a:off x="152400" y="1295400"/>
-            <a:ext cx="11811000" cy="1600200"/>
-          </a:xfrm>
-        </p:spPr>
+        <p:spPr/>
         <p:txBody>
           <a:bodyPr/>
           <a:lstStyle/>
           <a:p>
             <a:r>
-              <a:rPr lang="en-US" dirty="0"/>
-              <a:t>E.g. You wake up and and trying to plan your day</a:t>
-            </a:r>
-          </a:p>
-        </p:txBody>
-      </p:sp>
-      <p:sp>
-        <p:nvSpPr>
-          <p:cNvPr id="4" name="Rectangle 3">
-            <a:extLst>
-              <a:ext uri="{FF2B5EF4-FFF2-40B4-BE49-F238E27FC236}">
-                <a16:creationId xmlns:a16="http://schemas.microsoft.com/office/drawing/2014/main" id="{004C9B42-EB91-E949-AFAA-3F7A42F4E3AC}"/>
-              </a:ext>
-            </a:extLst>
-          </p:cNvPr>
-          <p:cNvSpPr/>
-          <p:nvPr/>
-        </p:nvSpPr>
-        <p:spPr>
-          <a:xfrm>
-            <a:off x="1447800" y="2095500"/>
-            <a:ext cx="4114800" cy="4401205"/>
-          </a:xfrm>
-          <a:prstGeom prst="rect">
-            <a:avLst/>
-          </a:prstGeom>
-        </p:spPr>
-        <p:txBody>
-          <a:bodyPr wrap="square">
-            <a:spAutoFit/>
-          </a:bodyPr>
-          <a:lstStyle/>
+              <a:rPr lang="en-US" sz="3200" dirty="0"/>
+              <a:t>Start from a large task and break it up into smaller pieces</a:t>
+            </a:r>
+          </a:p>
+          <a:p>
+            <a:r>
+              <a:rPr lang="en-US" sz="3200" dirty="0"/>
+              <a:t>Ok to write your program in terms of commands that don’t exist yet</a:t>
+            </a:r>
+          </a:p>
+          <a:p>
+            <a:r>
+              <a:rPr lang="en-US" sz="3200" b="1" dirty="0"/>
+              <a:t>Goal</a:t>
+            </a:r>
+            <a:r>
+              <a:rPr lang="en-US" sz="3200" dirty="0"/>
+              <a:t>: make our programs easily readable by humans</a:t>
+            </a:r>
+          </a:p>
           <a:p>
             <a:pPr lvl="1"/>
             <a:r>
-              <a:rPr lang="en-US" sz="2000" b="1" dirty="0"/>
-              <a:t>Approach 1</a:t>
-            </a:r>
-          </a:p>
-          <a:p>
-            <a:pPr marL="800100" lvl="1" indent="-342900">
-              <a:buFont typeface="+mj-lt"/>
-              <a:buAutoNum type="arabicPeriod"/>
-            </a:pPr>
-            <a:r>
-              <a:rPr lang="en-US" sz="2000" dirty="0"/>
-              <a:t>Get left foot out of bed</a:t>
-            </a:r>
-          </a:p>
-          <a:p>
-            <a:pPr marL="800100" lvl="1" indent="-342900">
-              <a:buFont typeface="+mj-lt"/>
-              <a:buAutoNum type="arabicPeriod"/>
-            </a:pPr>
-            <a:r>
-              <a:rPr lang="en-US" sz="2000" dirty="0"/>
-              <a:t>Get right foot out of bed</a:t>
-            </a:r>
-          </a:p>
-          <a:p>
-            <a:pPr marL="800100" lvl="1" indent="-342900">
-              <a:buFont typeface="+mj-lt"/>
-              <a:buAutoNum type="arabicPeriod"/>
-            </a:pPr>
-            <a:r>
-              <a:rPr lang="en-US" sz="2000" dirty="0"/>
-              <a:t>Stand up</a:t>
-            </a:r>
-          </a:p>
-          <a:p>
-            <a:pPr marL="800100" lvl="1" indent="-342900">
-              <a:buFont typeface="+mj-lt"/>
-              <a:buAutoNum type="arabicPeriod"/>
-            </a:pPr>
-            <a:r>
-              <a:rPr lang="en-US" sz="2000" dirty="0"/>
-              <a:t>Move to washroom</a:t>
-            </a:r>
-          </a:p>
-          <a:p>
-            <a:pPr marL="800100" lvl="1" indent="-342900">
-              <a:buFont typeface="+mj-lt"/>
-              <a:buAutoNum type="arabicPeriod"/>
-            </a:pPr>
-            <a:r>
-              <a:rPr lang="en-US" sz="2000" dirty="0"/>
-              <a:t>Grab brush</a:t>
-            </a:r>
-          </a:p>
-          <a:p>
-            <a:pPr marL="800100" lvl="1" indent="-342900">
-              <a:buFont typeface="+mj-lt"/>
-              <a:buAutoNum type="arabicPeriod"/>
-            </a:pPr>
-            <a:r>
-              <a:rPr lang="en-US" sz="2000" dirty="0"/>
-              <a:t>Apply toothpaste</a:t>
-            </a:r>
-          </a:p>
-          <a:p>
-            <a:pPr marL="800100" lvl="1" indent="-342900">
-              <a:buFont typeface="+mj-lt"/>
-              <a:buAutoNum type="arabicPeriod"/>
-            </a:pPr>
-            <a:r>
-              <a:rPr lang="en-US" sz="2000" dirty="0"/>
-              <a:t>Brush teeth</a:t>
-            </a:r>
-          </a:p>
-          <a:p>
-            <a:pPr marL="800100" lvl="1" indent="-342900">
-              <a:buFont typeface="+mj-lt"/>
-              <a:buAutoNum type="arabicPeriod"/>
-            </a:pPr>
-            <a:r>
-              <a:rPr lang="en-US" sz="2000" dirty="0"/>
-              <a:t>Get face wash</a:t>
-            </a:r>
-          </a:p>
-          <a:p>
-            <a:pPr marL="800100" lvl="1" indent="-342900">
-              <a:buFont typeface="+mj-lt"/>
-              <a:buAutoNum type="arabicPeriod"/>
-            </a:pPr>
-            <a:r>
-              <a:rPr lang="en-US" sz="2000" dirty="0"/>
-              <a:t>Scrub on face</a:t>
-            </a:r>
-          </a:p>
-          <a:p>
-            <a:pPr marL="800100" lvl="1" indent="-342900">
-              <a:buFont typeface="+mj-lt"/>
-              <a:buAutoNum type="arabicPeriod"/>
-            </a:pPr>
-            <a:r>
-              <a:rPr lang="en-US" sz="2000" dirty="0"/>
-              <a:t>Exit washroom</a:t>
-            </a:r>
-          </a:p>
-          <a:p>
-            <a:pPr marL="800100" lvl="1" indent="-342900">
-              <a:buFont typeface="+mj-lt"/>
-              <a:buAutoNum type="arabicPeriod"/>
-            </a:pPr>
-            <a:r>
-              <a:rPr lang="en-US" sz="2000" dirty="0"/>
-              <a:t>Go to kitchen</a:t>
-            </a:r>
-          </a:p>
-          <a:p>
-            <a:pPr marL="800100" lvl="1" indent="-342900">
-              <a:buFont typeface="+mj-lt"/>
-              <a:buAutoNum type="arabicPeriod"/>
-            </a:pPr>
-            <a:r>
-              <a:rPr lang="en-US" sz="2000" dirty="0"/>
-              <a:t>Crack eggs</a:t>
-            </a:r>
-          </a:p>
-          <a:p>
-            <a:pPr marL="800100" lvl="1" indent="-342900">
-              <a:buFont typeface="+mj-lt"/>
-              <a:buAutoNum type="arabicPeriod"/>
-            </a:pPr>
-            <a:r>
-              <a:rPr lang="en-US" sz="2000" dirty="0"/>
-              <a:t>…</a:t>
+              <a:rPr lang="en-US" sz="2800" dirty="0"/>
+              <a:t>Commenting</a:t>
+            </a:r>
+          </a:p>
+          <a:p>
+            <a:pPr lvl="1"/>
+            <a:r>
+              <a:rPr lang="en-US" sz="2800" dirty="0"/>
+              <a:t>Decomposition</a:t>
             </a:r>
           </a:p>
         </p:txBody>
@@ -16973,7 +16956,7 @@
     </p:spTree>
     <p:extLst>
       <p:ext uri="{BB962C8B-B14F-4D97-AF65-F5344CB8AC3E}">
-        <p14:creationId xmlns:p14="http://schemas.microsoft.com/office/powerpoint/2010/main" val="1239106264"/>
+        <p14:creationId xmlns:p14="http://schemas.microsoft.com/office/powerpoint/2010/main" val="2700700155"/>
       </p:ext>
     </p:extLst>
   </p:cSld>
@@ -17051,75 +17034,10 @@
       </p:sp>
       <p:sp>
         <p:nvSpPr>
-          <p:cNvPr id="5" name="Rectangle 4">
+          <p:cNvPr id="4" name="Rectangle 3">
             <a:extLst>
               <a:ext uri="{FF2B5EF4-FFF2-40B4-BE49-F238E27FC236}">
-                <a16:creationId xmlns:a16="http://schemas.microsoft.com/office/drawing/2014/main" id="{816F99CF-8688-224B-B56F-4EB239285776}"/>
-              </a:ext>
-            </a:extLst>
-          </p:cNvPr>
-          <p:cNvSpPr/>
-          <p:nvPr/>
-        </p:nvSpPr>
-        <p:spPr>
-          <a:xfrm>
-            <a:off x="6477000" y="2095500"/>
-            <a:ext cx="4114800" cy="1323439"/>
-          </a:xfrm>
-          <a:prstGeom prst="rect">
-            <a:avLst/>
-          </a:prstGeom>
-        </p:spPr>
-        <p:txBody>
-          <a:bodyPr wrap="square">
-            <a:spAutoFit/>
-          </a:bodyPr>
-          <a:lstStyle/>
-          <a:p>
-            <a:pPr lvl="1"/>
-            <a:r>
-              <a:rPr lang="en-US" sz="2000" b="1" dirty="0"/>
-              <a:t>Approach 2</a:t>
-            </a:r>
-          </a:p>
-          <a:p>
-            <a:pPr marL="800100" lvl="1" indent="-342900">
-              <a:buFont typeface="+mj-lt"/>
-              <a:buAutoNum type="arabicPeriod"/>
-            </a:pPr>
-            <a:r>
-              <a:rPr lang="en-US" sz="2000" dirty="0"/>
-              <a:t>Get out of bed</a:t>
-            </a:r>
-          </a:p>
-          <a:p>
-            <a:pPr marL="800100" lvl="1" indent="-342900">
-              <a:buFont typeface="+mj-lt"/>
-              <a:buAutoNum type="arabicPeriod"/>
-            </a:pPr>
-            <a:r>
-              <a:rPr lang="en-US" sz="2000" dirty="0"/>
-              <a:t>Wash up</a:t>
-            </a:r>
-          </a:p>
-          <a:p>
-            <a:pPr marL="800100" lvl="1" indent="-342900">
-              <a:buFont typeface="+mj-lt"/>
-              <a:buAutoNum type="arabicPeriod"/>
-            </a:pPr>
-            <a:r>
-              <a:rPr lang="en-US" sz="2000" dirty="0"/>
-              <a:t>Eat breakfast</a:t>
-            </a:r>
-          </a:p>
-        </p:txBody>
-      </p:sp>
-      <p:sp>
-        <p:nvSpPr>
-          <p:cNvPr id="6" name="Rectangle 5">
-            <a:extLst>
-              <a:ext uri="{FF2B5EF4-FFF2-40B4-BE49-F238E27FC236}">
-                <a16:creationId xmlns:a16="http://schemas.microsoft.com/office/drawing/2014/main" id="{61C9AB33-9D0D-4143-A033-3E31C79A05BD}"/>
+                <a16:creationId xmlns:a16="http://schemas.microsoft.com/office/drawing/2014/main" id="{004C9B42-EB91-E949-AFAA-3F7A42F4E3AC}"/>
               </a:ext>
             </a:extLst>
           </p:cNvPr>
@@ -17282,7 +17200,7 @@
     </p:spTree>
     <p:extLst>
       <p:ext uri="{BB962C8B-B14F-4D97-AF65-F5344CB8AC3E}">
-        <p14:creationId xmlns:p14="http://schemas.microsoft.com/office/powerpoint/2010/main" val="4158132622"/>
+        <p14:creationId xmlns:p14="http://schemas.microsoft.com/office/powerpoint/2010/main" val="1239106264"/>
       </p:ext>
     </p:extLst>
   </p:cSld>
@@ -17373,7 +17291,7 @@
         <p:spPr>
           <a:xfrm>
             <a:off x="6477000" y="2095500"/>
-            <a:ext cx="4114800" cy="1938992"/>
+            <a:ext cx="4114800" cy="1323439"/>
           </a:xfrm>
           <a:prstGeom prst="rect">
             <a:avLst/>
@@ -17402,26 +17320,6 @@
             </a:r>
           </a:p>
           <a:p>
-            <a:pPr marL="1257300" lvl="2" indent="-342900">
-              <a:buFont typeface="+mj-lt"/>
-              <a:buAutoNum type="arabicPeriod"/>
-            </a:pPr>
-            <a:r>
-              <a:rPr lang="en-US" sz="2000" dirty="0"/>
-              <a:t>Exit bed</a:t>
-            </a:r>
-          </a:p>
-          <a:p>
-            <a:pPr marL="1257300" lvl="2" indent="-342900">
-              <a:buFont typeface="+mj-lt"/>
-              <a:buAutoNum type="arabicPeriod"/>
-            </a:pPr>
-            <a:r>
-              <a:rPr lang="en-US" sz="2000" dirty="0"/>
-              <a:t>Stand up</a:t>
-            </a:r>
-          </a:p>
-          <a:p>
             <a:pPr marL="800100" lvl="1" indent="-342900">
               <a:buFont typeface="+mj-lt"/>
               <a:buAutoNum type="arabicPeriod"/>
@@ -17448,7 +17346,7 @@
           <p:cNvPr id="6" name="Rectangle 5">
             <a:extLst>
               <a:ext uri="{FF2B5EF4-FFF2-40B4-BE49-F238E27FC236}">
-                <a16:creationId xmlns:a16="http://schemas.microsoft.com/office/drawing/2014/main" id="{E70C03BE-8DAC-7F41-9647-D1B1AB64078E}"/>
+                <a16:creationId xmlns:a16="http://schemas.microsoft.com/office/drawing/2014/main" id="{61C9AB33-9D0D-4143-A033-3E31C79A05BD}"/>
               </a:ext>
             </a:extLst>
           </p:cNvPr>
@@ -17611,7 +17509,7 @@
     </p:spTree>
     <p:extLst>
       <p:ext uri="{BB962C8B-B14F-4D97-AF65-F5344CB8AC3E}">
-        <p14:creationId xmlns:p14="http://schemas.microsoft.com/office/powerpoint/2010/main" val="63534619"/>
+        <p14:creationId xmlns:p14="http://schemas.microsoft.com/office/powerpoint/2010/main" val="4158132622"/>
       </p:ext>
     </p:extLst>
   </p:cSld>
@@ -17702,7 +17600,7 @@
         <p:spPr>
           <a:xfrm>
             <a:off x="6477000" y="2095500"/>
-            <a:ext cx="4114800" cy="2554545"/>
+            <a:ext cx="4114800" cy="1938992"/>
           </a:xfrm>
           <a:prstGeom prst="rect">
             <a:avLst/>
@@ -17761,26 +17659,6 @@
             </a:r>
           </a:p>
           <a:p>
-            <a:pPr marL="1257300" lvl="2" indent="-342900">
-              <a:buFont typeface="+mj-lt"/>
-              <a:buAutoNum type="arabicPeriod"/>
-            </a:pPr>
-            <a:r>
-              <a:rPr lang="en-US" sz="2000" dirty="0"/>
-              <a:t>Brush teeth</a:t>
-            </a:r>
-          </a:p>
-          <a:p>
-            <a:pPr marL="1257300" lvl="2" indent="-342900">
-              <a:buFont typeface="+mj-lt"/>
-              <a:buAutoNum type="arabicPeriod"/>
-            </a:pPr>
-            <a:r>
-              <a:rPr lang="en-US" sz="2000" dirty="0"/>
-              <a:t>Wash face</a:t>
-            </a:r>
-          </a:p>
-          <a:p>
             <a:pPr marL="800100" lvl="1" indent="-342900">
               <a:buFont typeface="+mj-lt"/>
               <a:buAutoNum type="arabicPeriod"/>
@@ -17797,7 +17675,7 @@
           <p:cNvPr id="6" name="Rectangle 5">
             <a:extLst>
               <a:ext uri="{FF2B5EF4-FFF2-40B4-BE49-F238E27FC236}">
-                <a16:creationId xmlns:a16="http://schemas.microsoft.com/office/drawing/2014/main" id="{BA282C09-ED1F-9B49-A2DC-31C2E6932FBF}"/>
+                <a16:creationId xmlns:a16="http://schemas.microsoft.com/office/drawing/2014/main" id="{E70C03BE-8DAC-7F41-9647-D1B1AB64078E}"/>
               </a:ext>
             </a:extLst>
           </p:cNvPr>
@@ -17960,7 +17838,7 @@
     </p:spTree>
     <p:extLst>
       <p:ext uri="{BB962C8B-B14F-4D97-AF65-F5344CB8AC3E}">
-        <p14:creationId xmlns:p14="http://schemas.microsoft.com/office/powerpoint/2010/main" val="3348932350"/>
+        <p14:creationId xmlns:p14="http://schemas.microsoft.com/office/powerpoint/2010/main" val="63534619"/>
       </p:ext>
     </p:extLst>
   </p:cSld>
@@ -18051,7 +17929,7 @@
         <p:spPr>
           <a:xfrm>
             <a:off x="6477000" y="2095500"/>
-            <a:ext cx="4114800" cy="3477875"/>
+            <a:ext cx="4114800" cy="2554545"/>
           </a:xfrm>
           <a:prstGeom prst="rect">
             <a:avLst/>
@@ -18139,36 +18017,6 @@
               <a:t>Eat breakfast</a:t>
             </a:r>
           </a:p>
-          <a:p>
-            <a:pPr marL="1257300" lvl="2" indent="-342900">
-              <a:buFont typeface="+mj-lt"/>
-              <a:buAutoNum type="arabicPeriod"/>
-            </a:pPr>
-            <a:r>
-              <a:rPr lang="en-US" sz="2000" dirty="0"/>
-              <a:t>Make eggs</a:t>
-            </a:r>
-          </a:p>
-          <a:p>
-            <a:pPr marL="1257300" lvl="2" indent="-342900">
-              <a:buFont typeface="+mj-lt"/>
-              <a:buAutoNum type="arabicPeriod"/>
-            </a:pPr>
-            <a:r>
-              <a:rPr lang="en-US" sz="2000" dirty="0"/>
-              <a:t>Pour juice</a:t>
-            </a:r>
-          </a:p>
-          <a:p>
-            <a:pPr marL="1257300" lvl="2" indent="-342900">
-              <a:buFont typeface="+mj-lt"/>
-              <a:buAutoNum type="arabicPeriod"/>
-            </a:pPr>
-            <a:r>
-              <a:rPr lang="en-US" sz="2000" dirty="0"/>
-              <a:t>Eat</a:t>
-            </a:r>
-          </a:p>
         </p:txBody>
       </p:sp>
       <p:sp>
@@ -18176,7 +18024,7 @@
           <p:cNvPr id="6" name="Rectangle 5">
             <a:extLst>
               <a:ext uri="{FF2B5EF4-FFF2-40B4-BE49-F238E27FC236}">
-                <a16:creationId xmlns:a16="http://schemas.microsoft.com/office/drawing/2014/main" id="{D26E0191-CDB3-FF4A-9081-7E264E2335ED}"/>
+                <a16:creationId xmlns:a16="http://schemas.microsoft.com/office/drawing/2014/main" id="{BA282C09-ED1F-9B49-A2DC-31C2E6932FBF}"/>
               </a:ext>
             </a:extLst>
           </p:cNvPr>
@@ -18339,7 +18187,7 @@
     </p:spTree>
     <p:extLst>
       <p:ext uri="{BB962C8B-B14F-4D97-AF65-F5344CB8AC3E}">
-        <p14:creationId xmlns:p14="http://schemas.microsoft.com/office/powerpoint/2010/main" val="1776529966"/>
+        <p14:creationId xmlns:p14="http://schemas.microsoft.com/office/powerpoint/2010/main" val="3348932350"/>
       </p:ext>
     </p:extLst>
   </p:cSld>
@@ -18398,6 +18246,385 @@
             <p:ph idx="1"/>
           </p:nvPr>
         </p:nvSpPr>
+        <p:spPr>
+          <a:xfrm>
+            <a:off x="152400" y="1295400"/>
+            <a:ext cx="11811000" cy="1600200"/>
+          </a:xfrm>
+        </p:spPr>
+        <p:txBody>
+          <a:bodyPr/>
+          <a:lstStyle/>
+          <a:p>
+            <a:r>
+              <a:rPr lang="en-US" dirty="0"/>
+              <a:t>E.g. You wake up and and trying to plan your day</a:t>
+            </a:r>
+          </a:p>
+        </p:txBody>
+      </p:sp>
+      <p:sp>
+        <p:nvSpPr>
+          <p:cNvPr id="5" name="Rectangle 4">
+            <a:extLst>
+              <a:ext uri="{FF2B5EF4-FFF2-40B4-BE49-F238E27FC236}">
+                <a16:creationId xmlns:a16="http://schemas.microsoft.com/office/drawing/2014/main" id="{816F99CF-8688-224B-B56F-4EB239285776}"/>
+              </a:ext>
+            </a:extLst>
+          </p:cNvPr>
+          <p:cNvSpPr/>
+          <p:nvPr/>
+        </p:nvSpPr>
+        <p:spPr>
+          <a:xfrm>
+            <a:off x="6477000" y="2095500"/>
+            <a:ext cx="4114800" cy="3477875"/>
+          </a:xfrm>
+          <a:prstGeom prst="rect">
+            <a:avLst/>
+          </a:prstGeom>
+        </p:spPr>
+        <p:txBody>
+          <a:bodyPr wrap="square">
+            <a:spAutoFit/>
+          </a:bodyPr>
+          <a:lstStyle/>
+          <a:p>
+            <a:pPr lvl="1"/>
+            <a:r>
+              <a:rPr lang="en-US" sz="2000" b="1" dirty="0"/>
+              <a:t>Approach 2</a:t>
+            </a:r>
+          </a:p>
+          <a:p>
+            <a:pPr marL="800100" lvl="1" indent="-342900">
+              <a:buFont typeface="+mj-lt"/>
+              <a:buAutoNum type="arabicPeriod"/>
+            </a:pPr>
+            <a:r>
+              <a:rPr lang="en-US" sz="2000" dirty="0"/>
+              <a:t>Get out of bed</a:t>
+            </a:r>
+          </a:p>
+          <a:p>
+            <a:pPr marL="1257300" lvl="2" indent="-342900">
+              <a:buFont typeface="+mj-lt"/>
+              <a:buAutoNum type="arabicPeriod"/>
+            </a:pPr>
+            <a:r>
+              <a:rPr lang="en-US" sz="2000" dirty="0"/>
+              <a:t>Exit bed</a:t>
+            </a:r>
+          </a:p>
+          <a:p>
+            <a:pPr marL="1257300" lvl="2" indent="-342900">
+              <a:buFont typeface="+mj-lt"/>
+              <a:buAutoNum type="arabicPeriod"/>
+            </a:pPr>
+            <a:r>
+              <a:rPr lang="en-US" sz="2000" dirty="0"/>
+              <a:t>Stand up</a:t>
+            </a:r>
+          </a:p>
+          <a:p>
+            <a:pPr marL="800100" lvl="1" indent="-342900">
+              <a:buFont typeface="+mj-lt"/>
+              <a:buAutoNum type="arabicPeriod"/>
+            </a:pPr>
+            <a:r>
+              <a:rPr lang="en-US" sz="2000" dirty="0"/>
+              <a:t>Wash up</a:t>
+            </a:r>
+          </a:p>
+          <a:p>
+            <a:pPr marL="1257300" lvl="2" indent="-342900">
+              <a:buFont typeface="+mj-lt"/>
+              <a:buAutoNum type="arabicPeriod"/>
+            </a:pPr>
+            <a:r>
+              <a:rPr lang="en-US" sz="2000" dirty="0"/>
+              <a:t>Brush teeth</a:t>
+            </a:r>
+          </a:p>
+          <a:p>
+            <a:pPr marL="1257300" lvl="2" indent="-342900">
+              <a:buFont typeface="+mj-lt"/>
+              <a:buAutoNum type="arabicPeriod"/>
+            </a:pPr>
+            <a:r>
+              <a:rPr lang="en-US" sz="2000" dirty="0"/>
+              <a:t>Wash face</a:t>
+            </a:r>
+          </a:p>
+          <a:p>
+            <a:pPr marL="800100" lvl="1" indent="-342900">
+              <a:buFont typeface="+mj-lt"/>
+              <a:buAutoNum type="arabicPeriod"/>
+            </a:pPr>
+            <a:r>
+              <a:rPr lang="en-US" sz="2000" dirty="0"/>
+              <a:t>Eat breakfast</a:t>
+            </a:r>
+          </a:p>
+          <a:p>
+            <a:pPr marL="1257300" lvl="2" indent="-342900">
+              <a:buFont typeface="+mj-lt"/>
+              <a:buAutoNum type="arabicPeriod"/>
+            </a:pPr>
+            <a:r>
+              <a:rPr lang="en-US" sz="2000" dirty="0"/>
+              <a:t>Make eggs</a:t>
+            </a:r>
+          </a:p>
+          <a:p>
+            <a:pPr marL="1257300" lvl="2" indent="-342900">
+              <a:buFont typeface="+mj-lt"/>
+              <a:buAutoNum type="arabicPeriod"/>
+            </a:pPr>
+            <a:r>
+              <a:rPr lang="en-US" sz="2000" dirty="0"/>
+              <a:t>Pour juice</a:t>
+            </a:r>
+          </a:p>
+          <a:p>
+            <a:pPr marL="1257300" lvl="2" indent="-342900">
+              <a:buFont typeface="+mj-lt"/>
+              <a:buAutoNum type="arabicPeriod"/>
+            </a:pPr>
+            <a:r>
+              <a:rPr lang="en-US" sz="2000" dirty="0"/>
+              <a:t>Eat</a:t>
+            </a:r>
+          </a:p>
+        </p:txBody>
+      </p:sp>
+      <p:sp>
+        <p:nvSpPr>
+          <p:cNvPr id="6" name="Rectangle 5">
+            <a:extLst>
+              <a:ext uri="{FF2B5EF4-FFF2-40B4-BE49-F238E27FC236}">
+                <a16:creationId xmlns:a16="http://schemas.microsoft.com/office/drawing/2014/main" id="{D26E0191-CDB3-FF4A-9081-7E264E2335ED}"/>
+              </a:ext>
+            </a:extLst>
+          </p:cNvPr>
+          <p:cNvSpPr/>
+          <p:nvPr/>
+        </p:nvSpPr>
+        <p:spPr>
+          <a:xfrm>
+            <a:off x="1447800" y="2095500"/>
+            <a:ext cx="4114800" cy="4401205"/>
+          </a:xfrm>
+          <a:prstGeom prst="rect">
+            <a:avLst/>
+          </a:prstGeom>
+        </p:spPr>
+        <p:txBody>
+          <a:bodyPr wrap="square">
+            <a:spAutoFit/>
+          </a:bodyPr>
+          <a:lstStyle/>
+          <a:p>
+            <a:pPr lvl="1"/>
+            <a:r>
+              <a:rPr lang="en-US" sz="2000" b="1" dirty="0"/>
+              <a:t>Approach 1</a:t>
+            </a:r>
+          </a:p>
+          <a:p>
+            <a:pPr marL="800100" lvl="1" indent="-342900">
+              <a:buFont typeface="+mj-lt"/>
+              <a:buAutoNum type="arabicPeriod"/>
+            </a:pPr>
+            <a:r>
+              <a:rPr lang="en-US" sz="2000" dirty="0"/>
+              <a:t>Get left foot out of bed</a:t>
+            </a:r>
+          </a:p>
+          <a:p>
+            <a:pPr marL="800100" lvl="1" indent="-342900">
+              <a:buFont typeface="+mj-lt"/>
+              <a:buAutoNum type="arabicPeriod"/>
+            </a:pPr>
+            <a:r>
+              <a:rPr lang="en-US" sz="2000" dirty="0"/>
+              <a:t>Get right foot out of bed</a:t>
+            </a:r>
+          </a:p>
+          <a:p>
+            <a:pPr marL="800100" lvl="1" indent="-342900">
+              <a:buFont typeface="+mj-lt"/>
+              <a:buAutoNum type="arabicPeriod"/>
+            </a:pPr>
+            <a:r>
+              <a:rPr lang="en-US" sz="2000" dirty="0"/>
+              <a:t>Stand up</a:t>
+            </a:r>
+          </a:p>
+          <a:p>
+            <a:pPr marL="800100" lvl="1" indent="-342900">
+              <a:buFont typeface="+mj-lt"/>
+              <a:buAutoNum type="arabicPeriod"/>
+            </a:pPr>
+            <a:r>
+              <a:rPr lang="en-US" sz="2000" dirty="0"/>
+              <a:t>Move to washroom</a:t>
+            </a:r>
+          </a:p>
+          <a:p>
+            <a:pPr marL="800100" lvl="1" indent="-342900">
+              <a:buFont typeface="+mj-lt"/>
+              <a:buAutoNum type="arabicPeriod"/>
+            </a:pPr>
+            <a:r>
+              <a:rPr lang="en-US" sz="2000" dirty="0"/>
+              <a:t>Grab brush</a:t>
+            </a:r>
+          </a:p>
+          <a:p>
+            <a:pPr marL="800100" lvl="1" indent="-342900">
+              <a:buFont typeface="+mj-lt"/>
+              <a:buAutoNum type="arabicPeriod"/>
+            </a:pPr>
+            <a:r>
+              <a:rPr lang="en-US" sz="2000" dirty="0"/>
+              <a:t>Apply toothpaste</a:t>
+            </a:r>
+          </a:p>
+          <a:p>
+            <a:pPr marL="800100" lvl="1" indent="-342900">
+              <a:buFont typeface="+mj-lt"/>
+              <a:buAutoNum type="arabicPeriod"/>
+            </a:pPr>
+            <a:r>
+              <a:rPr lang="en-US" sz="2000" dirty="0"/>
+              <a:t>Brush teeth</a:t>
+            </a:r>
+          </a:p>
+          <a:p>
+            <a:pPr marL="800100" lvl="1" indent="-342900">
+              <a:buFont typeface="+mj-lt"/>
+              <a:buAutoNum type="arabicPeriod"/>
+            </a:pPr>
+            <a:r>
+              <a:rPr lang="en-US" sz="2000" dirty="0"/>
+              <a:t>Get face wash</a:t>
+            </a:r>
+          </a:p>
+          <a:p>
+            <a:pPr marL="800100" lvl="1" indent="-342900">
+              <a:buFont typeface="+mj-lt"/>
+              <a:buAutoNum type="arabicPeriod"/>
+            </a:pPr>
+            <a:r>
+              <a:rPr lang="en-US" sz="2000" dirty="0"/>
+              <a:t>Scrub on face</a:t>
+            </a:r>
+          </a:p>
+          <a:p>
+            <a:pPr marL="800100" lvl="1" indent="-342900">
+              <a:buFont typeface="+mj-lt"/>
+              <a:buAutoNum type="arabicPeriod"/>
+            </a:pPr>
+            <a:r>
+              <a:rPr lang="en-US" sz="2000" dirty="0"/>
+              <a:t>Exit washroom</a:t>
+            </a:r>
+          </a:p>
+          <a:p>
+            <a:pPr marL="800100" lvl="1" indent="-342900">
+              <a:buFont typeface="+mj-lt"/>
+              <a:buAutoNum type="arabicPeriod"/>
+            </a:pPr>
+            <a:r>
+              <a:rPr lang="en-US" sz="2000" dirty="0"/>
+              <a:t>Go to kitchen</a:t>
+            </a:r>
+          </a:p>
+          <a:p>
+            <a:pPr marL="800100" lvl="1" indent="-342900">
+              <a:buFont typeface="+mj-lt"/>
+              <a:buAutoNum type="arabicPeriod"/>
+            </a:pPr>
+            <a:r>
+              <a:rPr lang="en-US" sz="2000" dirty="0"/>
+              <a:t>Crack eggs</a:t>
+            </a:r>
+          </a:p>
+          <a:p>
+            <a:pPr marL="800100" lvl="1" indent="-342900">
+              <a:buFont typeface="+mj-lt"/>
+              <a:buAutoNum type="arabicPeriod"/>
+            </a:pPr>
+            <a:r>
+              <a:rPr lang="en-US" sz="2000" dirty="0"/>
+              <a:t>…</a:t>
+            </a:r>
+          </a:p>
+        </p:txBody>
+      </p:sp>
+    </p:spTree>
+    <p:extLst>
+      <p:ext uri="{BB962C8B-B14F-4D97-AF65-F5344CB8AC3E}">
+        <p14:creationId xmlns:p14="http://schemas.microsoft.com/office/powerpoint/2010/main" val="1776529966"/>
+      </p:ext>
+    </p:extLst>
+  </p:cSld>
+  <p:clrMapOvr>
+    <a:masterClrMapping/>
+  </p:clrMapOvr>
+</p:sld>
+</file>
+
+<file path=ppt/slides/slide37.xml><?xml version="1.0" encoding="utf-8"?>
+<p:sld xmlns:a="http://schemas.openxmlformats.org/drawingml/2006/main" xmlns:r="http://schemas.openxmlformats.org/officeDocument/2006/relationships" xmlns:p="http://schemas.openxmlformats.org/presentationml/2006/main">
+  <p:cSld>
+    <p:spTree>
+      <p:nvGrpSpPr>
+        <p:cNvPr id="1" name=""/>
+        <p:cNvGrpSpPr/>
+        <p:nvPr/>
+      </p:nvGrpSpPr>
+      <p:grpSpPr>
+        <a:xfrm>
+          <a:off x="0" y="0"/>
+          <a:ext cx="0" cy="0"/>
+          <a:chOff x="0" y="0"/>
+          <a:chExt cx="0" cy="0"/>
+        </a:xfrm>
+      </p:grpSpPr>
+      <p:sp>
+        <p:nvSpPr>
+          <p:cNvPr id="2" name="Title 1"/>
+          <p:cNvSpPr>
+            <a:spLocks noGrp="1"/>
+          </p:cNvSpPr>
+          <p:nvPr>
+            <p:ph type="title"/>
+          </p:nvPr>
+        </p:nvSpPr>
+        <p:spPr/>
+        <p:txBody>
+          <a:bodyPr/>
+          <a:lstStyle/>
+          <a:p>
+            <a:r>
+              <a:rPr lang="en-US" dirty="0"/>
+              <a:t>Decomposition and Top-Down Design</a:t>
+            </a:r>
+          </a:p>
+        </p:txBody>
+      </p:sp>
+      <p:sp>
+        <p:nvSpPr>
+          <p:cNvPr id="3" name="Content Placeholder 2"/>
+          <p:cNvSpPr>
+            <a:spLocks noGrp="1"/>
+          </p:cNvSpPr>
+          <p:nvPr>
+            <p:ph idx="1"/>
+          </p:nvPr>
+        </p:nvSpPr>
         <p:spPr/>
         <p:txBody>
           <a:bodyPr/>
@@ -18465,7 +18692,7 @@
 </p:sld>
 </file>
 
-<file path=ppt/slides/slide37.xml><?xml version="1.0" encoding="utf-8"?>
+<file path=ppt/slides/slide38.xml><?xml version="1.0" encoding="utf-8"?>
 <p:sld xmlns:a="http://schemas.openxmlformats.org/drawingml/2006/main" xmlns:r="http://schemas.openxmlformats.org/officeDocument/2006/relationships" xmlns:p="http://schemas.openxmlformats.org/presentationml/2006/main">
   <p:cSld>
     <p:spTree>
@@ -18899,7 +19126,7 @@
 </p:sld>
 </file>
 
-<file path=ppt/slides/slide38.xml><?xml version="1.0" encoding="utf-8"?>
+<file path=ppt/slides/slide39.xml><?xml version="1.0" encoding="utf-8"?>
 <p:sld xmlns:a="http://schemas.openxmlformats.org/drawingml/2006/main" xmlns:r="http://schemas.openxmlformats.org/officeDocument/2006/relationships" xmlns:p="http://schemas.openxmlformats.org/presentationml/2006/main">
   <p:cSld>
     <p:spTree>
@@ -19030,7 +19257,132 @@
 </p:sld>
 </file>
 
-<file path=ppt/slides/slide39.xml><?xml version="1.0" encoding="utf-8"?>
+<file path=ppt/slides/slide4.xml><?xml version="1.0" encoding="utf-8"?>
+<p:sld xmlns:a="http://schemas.openxmlformats.org/drawingml/2006/main" xmlns:r="http://schemas.openxmlformats.org/officeDocument/2006/relationships" xmlns:p="http://schemas.openxmlformats.org/presentationml/2006/main">
+  <p:cSld>
+    <p:spTree>
+      <p:nvGrpSpPr>
+        <p:cNvPr id="1" name=""/>
+        <p:cNvGrpSpPr/>
+        <p:nvPr/>
+      </p:nvGrpSpPr>
+      <p:grpSpPr>
+        <a:xfrm>
+          <a:off x="0" y="0"/>
+          <a:ext cx="0" cy="0"/>
+          <a:chOff x="0" y="0"/>
+          <a:chExt cx="0" cy="0"/>
+        </a:xfrm>
+      </p:grpSpPr>
+      <p:sp>
+        <p:nvSpPr>
+          <p:cNvPr id="800770" name="Rectangle 2"/>
+          <p:cNvSpPr>
+            <a:spLocks noGrp="1" noChangeArrowheads="1"/>
+          </p:cNvSpPr>
+          <p:nvPr>
+            <p:ph type="title"/>
+          </p:nvPr>
+        </p:nvSpPr>
+        <p:spPr/>
+        <p:txBody>
+          <a:bodyPr/>
+          <a:lstStyle/>
+          <a:p>
+            <a:r>
+              <a:rPr lang="en-US" altLang="x-none" dirty="0"/>
+              <a:t>Lecture Plan</a:t>
+            </a:r>
+          </a:p>
+        </p:txBody>
+      </p:sp>
+      <p:sp>
+        <p:nvSpPr>
+          <p:cNvPr id="800771" name="Rectangle 3"/>
+          <p:cNvSpPr>
+            <a:spLocks noGrp="1" noChangeArrowheads="1"/>
+          </p:cNvSpPr>
+          <p:nvPr>
+            <p:ph idx="1"/>
+          </p:nvPr>
+        </p:nvSpPr>
+        <p:spPr/>
+        <p:txBody>
+          <a:bodyPr/>
+          <a:lstStyle/>
+          <a:p>
+            <a:r>
+              <a:rPr lang="en-US" altLang="x-none" sz="3600" b="1" dirty="0"/>
+              <a:t>Review: </a:t>
+            </a:r>
+            <a:r>
+              <a:rPr lang="en-US" altLang="x-none" sz="3600" dirty="0"/>
+              <a:t>Karel and Control Flow</a:t>
+            </a:r>
+            <a:endParaRPr lang="en-US" altLang="x-none" sz="3600" b="1" dirty="0"/>
+          </a:p>
+          <a:p>
+            <a:r>
+              <a:rPr lang="en-US" altLang="x-none" sz="3600" dirty="0">
+                <a:solidFill>
+                  <a:schemeClr val="bg1">
+                    <a:lumMod val="85000"/>
+                  </a:schemeClr>
+                </a:solidFill>
+              </a:rPr>
+              <a:t>If/Else Statements</a:t>
+            </a:r>
+          </a:p>
+          <a:p>
+            <a:r>
+              <a:rPr lang="en-US" altLang="x-none" sz="3600" dirty="0">
+                <a:solidFill>
+                  <a:schemeClr val="bg1">
+                    <a:lumMod val="85000"/>
+                  </a:schemeClr>
+                </a:solidFill>
+              </a:rPr>
+              <a:t>Decomposition and Top-Down Design</a:t>
+            </a:r>
+          </a:p>
+          <a:p>
+            <a:r>
+              <a:rPr lang="en-US" altLang="x-none" sz="3600" b="1" dirty="0">
+                <a:solidFill>
+                  <a:schemeClr val="bg1">
+                    <a:lumMod val="85000"/>
+                  </a:schemeClr>
+                </a:solidFill>
+              </a:rPr>
+              <a:t>Practice:</a:t>
+            </a:r>
+            <a:r>
+              <a:rPr lang="en-US" altLang="x-none" sz="3600" dirty="0">
+                <a:solidFill>
+                  <a:schemeClr val="bg1">
+                    <a:lumMod val="85000"/>
+                  </a:schemeClr>
+                </a:solidFill>
+              </a:rPr>
+              <a:t> Hurdle Jumper</a:t>
+            </a:r>
+          </a:p>
+        </p:txBody>
+      </p:sp>
+    </p:spTree>
+    <p:extLst>
+      <p:ext uri="{BB962C8B-B14F-4D97-AF65-F5344CB8AC3E}">
+        <p14:creationId xmlns:p14="http://schemas.microsoft.com/office/powerpoint/2010/main" val="2020092670"/>
+      </p:ext>
+    </p:extLst>
+  </p:cSld>
+  <p:clrMapOvr>
+    <a:masterClrMapping/>
+  </p:clrMapOvr>
+</p:sld>
+</file>
+
+<file path=ppt/slides/slide40.xml><?xml version="1.0" encoding="utf-8"?>
 <p:sld xmlns:a="http://schemas.openxmlformats.org/drawingml/2006/main" xmlns:r="http://schemas.openxmlformats.org/officeDocument/2006/relationships" xmlns:p="http://schemas.openxmlformats.org/presentationml/2006/main">
   <p:cSld>
     <p:spTree>
@@ -19362,7 +19714,84 @@
 </p:sld>
 </file>
 
-<file path=ppt/slides/slide4.xml><?xml version="1.0" encoding="utf-8"?>
+<file path=ppt/slides/slide41.xml><?xml version="1.0" encoding="utf-8"?>
+<p:sld xmlns:a="http://schemas.openxmlformats.org/drawingml/2006/main" xmlns:r="http://schemas.openxmlformats.org/officeDocument/2006/relationships" xmlns:p="http://schemas.openxmlformats.org/presentationml/2006/main">
+  <p:cSld>
+    <p:spTree>
+      <p:nvGrpSpPr>
+        <p:cNvPr id="1" name=""/>
+        <p:cNvGrpSpPr/>
+        <p:nvPr/>
+      </p:nvGrpSpPr>
+      <p:grpSpPr>
+        <a:xfrm>
+          <a:off x="0" y="0"/>
+          <a:ext cx="0" cy="0"/>
+          <a:chOff x="0" y="0"/>
+          <a:chExt cx="0" cy="0"/>
+        </a:xfrm>
+      </p:grpSpPr>
+      <p:sp>
+        <p:nvSpPr>
+          <p:cNvPr id="2" name="Title 1"/>
+          <p:cNvSpPr>
+            <a:spLocks noGrp="1"/>
+          </p:cNvSpPr>
+          <p:nvPr>
+            <p:ph type="title"/>
+          </p:nvPr>
+        </p:nvSpPr>
+        <p:spPr/>
+        <p:txBody>
+          <a:bodyPr/>
+          <a:lstStyle/>
+          <a:p>
+            <a:r>
+              <a:rPr lang="en-US" dirty="0"/>
+              <a:t>Hurdle Jumper</a:t>
+            </a:r>
+          </a:p>
+        </p:txBody>
+      </p:sp>
+      <p:sp>
+        <p:nvSpPr>
+          <p:cNvPr id="3" name="Content Placeholder 2"/>
+          <p:cNvSpPr>
+            <a:spLocks noGrp="1"/>
+          </p:cNvSpPr>
+          <p:nvPr>
+            <p:ph idx="1"/>
+          </p:nvPr>
+        </p:nvSpPr>
+        <p:spPr/>
+        <p:txBody>
+          <a:bodyPr anchor="ctr"/>
+          <a:lstStyle/>
+          <a:p>
+            <a:pPr marL="0" indent="0" algn="ctr">
+              <a:buNone/>
+            </a:pPr>
+            <a:r>
+              <a:rPr lang="en-US" sz="8400" i="1" dirty="0"/>
+              <a:t>Demo</a:t>
+            </a:r>
+          </a:p>
+        </p:txBody>
+      </p:sp>
+    </p:spTree>
+    <p:extLst>
+      <p:ext uri="{BB962C8B-B14F-4D97-AF65-F5344CB8AC3E}">
+        <p14:creationId xmlns:p14="http://schemas.microsoft.com/office/powerpoint/2010/main" val="3741370432"/>
+      </p:ext>
+    </p:extLst>
+  </p:cSld>
+  <p:clrMapOvr>
+    <a:masterClrMapping/>
+  </p:clrMapOvr>
+</p:sld>
+</file>
+
+<file path=ppt/slides/slide42.xml><?xml version="1.0" encoding="utf-8"?>
 <p:sld xmlns:a="http://schemas.openxmlformats.org/drawingml/2006/main" xmlns:r="http://schemas.openxmlformats.org/officeDocument/2006/relationships" xmlns:p="http://schemas.openxmlformats.org/presentationml/2006/main">
   <p:cSld>
     <p:spTree>
@@ -19396,7 +19825,7 @@
           <a:p>
             <a:r>
               <a:rPr lang="en-US" altLang="x-none" dirty="0"/>
-              <a:t>Lecture Plan</a:t>
+              <a:t>Lecture Recap</a:t>
             </a:r>
           </a:p>
         </p:txBody>
@@ -19428,208 +19857,6 @@
           </a:p>
           <a:p>
             <a:r>
-              <a:rPr lang="en-US" altLang="x-none" sz="3600" dirty="0">
-                <a:solidFill>
-                  <a:schemeClr val="bg1">
-                    <a:lumMod val="85000"/>
-                  </a:schemeClr>
-                </a:solidFill>
-              </a:rPr>
-              <a:t>If/Else Statements</a:t>
-            </a:r>
-          </a:p>
-          <a:p>
-            <a:r>
-              <a:rPr lang="en-US" altLang="x-none" sz="3600" dirty="0">
-                <a:solidFill>
-                  <a:schemeClr val="bg1">
-                    <a:lumMod val="85000"/>
-                  </a:schemeClr>
-                </a:solidFill>
-              </a:rPr>
-              <a:t>Decomposition and Top-Down Design</a:t>
-            </a:r>
-          </a:p>
-          <a:p>
-            <a:r>
-              <a:rPr lang="en-US" altLang="x-none" sz="3600" b="1" dirty="0">
-                <a:solidFill>
-                  <a:schemeClr val="bg1">
-                    <a:lumMod val="85000"/>
-                  </a:schemeClr>
-                </a:solidFill>
-              </a:rPr>
-              <a:t>Practice:</a:t>
-            </a:r>
-            <a:r>
-              <a:rPr lang="en-US" altLang="x-none" sz="3600" dirty="0">
-                <a:solidFill>
-                  <a:schemeClr val="bg1">
-                    <a:lumMod val="85000"/>
-                  </a:schemeClr>
-                </a:solidFill>
-              </a:rPr>
-              <a:t> Hurdle Jumper</a:t>
-            </a:r>
-          </a:p>
-        </p:txBody>
-      </p:sp>
-    </p:spTree>
-    <p:extLst>
-      <p:ext uri="{BB962C8B-B14F-4D97-AF65-F5344CB8AC3E}">
-        <p14:creationId xmlns:p14="http://schemas.microsoft.com/office/powerpoint/2010/main" val="2020092670"/>
-      </p:ext>
-    </p:extLst>
-  </p:cSld>
-  <p:clrMapOvr>
-    <a:masterClrMapping/>
-  </p:clrMapOvr>
-</p:sld>
-</file>
-
-<file path=ppt/slides/slide40.xml><?xml version="1.0" encoding="utf-8"?>
-<p:sld xmlns:a="http://schemas.openxmlformats.org/drawingml/2006/main" xmlns:r="http://schemas.openxmlformats.org/officeDocument/2006/relationships" xmlns:p="http://schemas.openxmlformats.org/presentationml/2006/main">
-  <p:cSld>
-    <p:spTree>
-      <p:nvGrpSpPr>
-        <p:cNvPr id="1" name=""/>
-        <p:cNvGrpSpPr/>
-        <p:nvPr/>
-      </p:nvGrpSpPr>
-      <p:grpSpPr>
-        <a:xfrm>
-          <a:off x="0" y="0"/>
-          <a:ext cx="0" cy="0"/>
-          <a:chOff x="0" y="0"/>
-          <a:chExt cx="0" cy="0"/>
-        </a:xfrm>
-      </p:grpSpPr>
-      <p:sp>
-        <p:nvSpPr>
-          <p:cNvPr id="2" name="Title 1"/>
-          <p:cNvSpPr>
-            <a:spLocks noGrp="1"/>
-          </p:cNvSpPr>
-          <p:nvPr>
-            <p:ph type="title"/>
-          </p:nvPr>
-        </p:nvSpPr>
-        <p:spPr/>
-        <p:txBody>
-          <a:bodyPr/>
-          <a:lstStyle/>
-          <a:p>
-            <a:r>
-              <a:rPr lang="en-US" dirty="0"/>
-              <a:t>Hurdle Jumper</a:t>
-            </a:r>
-          </a:p>
-        </p:txBody>
-      </p:sp>
-      <p:sp>
-        <p:nvSpPr>
-          <p:cNvPr id="3" name="Content Placeholder 2"/>
-          <p:cNvSpPr>
-            <a:spLocks noGrp="1"/>
-          </p:cNvSpPr>
-          <p:nvPr>
-            <p:ph idx="1"/>
-          </p:nvPr>
-        </p:nvSpPr>
-        <p:spPr/>
-        <p:txBody>
-          <a:bodyPr anchor="ctr"/>
-          <a:lstStyle/>
-          <a:p>
-            <a:pPr marL="0" indent="0" algn="ctr">
-              <a:buNone/>
-            </a:pPr>
-            <a:r>
-              <a:rPr lang="en-US" sz="8400" i="1" dirty="0"/>
-              <a:t>Demo</a:t>
-            </a:r>
-          </a:p>
-        </p:txBody>
-      </p:sp>
-    </p:spTree>
-    <p:extLst>
-      <p:ext uri="{BB962C8B-B14F-4D97-AF65-F5344CB8AC3E}">
-        <p14:creationId xmlns:p14="http://schemas.microsoft.com/office/powerpoint/2010/main" val="3741370432"/>
-      </p:ext>
-    </p:extLst>
-  </p:cSld>
-  <p:clrMapOvr>
-    <a:masterClrMapping/>
-  </p:clrMapOvr>
-</p:sld>
-</file>
-
-<file path=ppt/slides/slide41.xml><?xml version="1.0" encoding="utf-8"?>
-<p:sld xmlns:a="http://schemas.openxmlformats.org/drawingml/2006/main" xmlns:r="http://schemas.openxmlformats.org/officeDocument/2006/relationships" xmlns:p="http://schemas.openxmlformats.org/presentationml/2006/main">
-  <p:cSld>
-    <p:spTree>
-      <p:nvGrpSpPr>
-        <p:cNvPr id="1" name=""/>
-        <p:cNvGrpSpPr/>
-        <p:nvPr/>
-      </p:nvGrpSpPr>
-      <p:grpSpPr>
-        <a:xfrm>
-          <a:off x="0" y="0"/>
-          <a:ext cx="0" cy="0"/>
-          <a:chOff x="0" y="0"/>
-          <a:chExt cx="0" cy="0"/>
-        </a:xfrm>
-      </p:grpSpPr>
-      <p:sp>
-        <p:nvSpPr>
-          <p:cNvPr id="800770" name="Rectangle 2"/>
-          <p:cNvSpPr>
-            <a:spLocks noGrp="1" noChangeArrowheads="1"/>
-          </p:cNvSpPr>
-          <p:nvPr>
-            <p:ph type="title"/>
-          </p:nvPr>
-        </p:nvSpPr>
-        <p:spPr/>
-        <p:txBody>
-          <a:bodyPr/>
-          <a:lstStyle/>
-          <a:p>
-            <a:r>
-              <a:rPr lang="en-US" altLang="x-none" dirty="0"/>
-              <a:t>Lecture Recap</a:t>
-            </a:r>
-          </a:p>
-        </p:txBody>
-      </p:sp>
-      <p:sp>
-        <p:nvSpPr>
-          <p:cNvPr id="800771" name="Rectangle 3"/>
-          <p:cNvSpPr>
-            <a:spLocks noGrp="1" noChangeArrowheads="1"/>
-          </p:cNvSpPr>
-          <p:nvPr>
-            <p:ph idx="1"/>
-          </p:nvPr>
-        </p:nvSpPr>
-        <p:spPr/>
-        <p:txBody>
-          <a:bodyPr/>
-          <a:lstStyle/>
-          <a:p>
-            <a:r>
-              <a:rPr lang="en-US" altLang="x-none" sz="3600" b="1" dirty="0"/>
-              <a:t>Review: </a:t>
-            </a:r>
-            <a:r>
-              <a:rPr lang="en-US" altLang="x-none" sz="3600" dirty="0"/>
-              <a:t>Karel and Control Flow</a:t>
-            </a:r>
-            <a:endParaRPr lang="en-US" altLang="x-none" sz="3600" b="1" dirty="0"/>
-          </a:p>
-          <a:p>
-            <a:r>
               <a:rPr lang="en-US" altLang="x-none" sz="3600" dirty="0"/>
               <a:t>If/Else Statements</a:t>
             </a:r>
@@ -19665,7 +19892,7 @@
 </p:sld>
 </file>
 
-<file path=ppt/slides/slide42.xml><?xml version="1.0" encoding="utf-8"?>
+<file path=ppt/slides/slide43.xml><?xml version="1.0" encoding="utf-8"?>
 <p:sld xmlns:a="http://schemas.openxmlformats.org/drawingml/2006/main" xmlns:r="http://schemas.openxmlformats.org/officeDocument/2006/relationships" xmlns:p="http://schemas.openxmlformats.org/presentationml/2006/main">
   <p:cSld>
     <p:spTree>
@@ -19753,7 +19980,7 @@
 </p:sld>
 </file>
 
-<file path=ppt/slides/slide43.xml><?xml version="1.0" encoding="utf-8"?>
+<file path=ppt/slides/slide44.xml><?xml version="1.0" encoding="utf-8"?>
 <p:sld xmlns:a="http://schemas.openxmlformats.org/drawingml/2006/main" xmlns:r="http://schemas.openxmlformats.org/officeDocument/2006/relationships" xmlns:p="http://schemas.openxmlformats.org/presentationml/2006/main">
   <p:cSld>
     <p:spTree>
@@ -20175,7 +20402,7 @@
 </p:sld>
 </file>
 
-<file path=ppt/slides/slide44.xml><?xml version="1.0" encoding="utf-8"?>
+<file path=ppt/slides/slide45.xml><?xml version="1.0" encoding="utf-8"?>
 <p:sld xmlns:a="http://schemas.openxmlformats.org/drawingml/2006/main" xmlns:r="http://schemas.openxmlformats.org/officeDocument/2006/relationships" xmlns:p="http://schemas.openxmlformats.org/presentationml/2006/main">
   <p:cSld>
     <p:spTree>
@@ -20796,7 +21023,7 @@
         <p:spPr>
           <a:xfrm>
             <a:off x="320675" y="1291684"/>
-            <a:ext cx="11550650" cy="4031873"/>
+            <a:ext cx="11550650" cy="5016758"/>
           </a:xfrm>
           <a:prstGeom prst="rect">
             <a:avLst/>
@@ -20871,6 +21098,15 @@
             <a:r>
               <a:rPr lang="en-US" sz="3200" dirty="0"/>
               <a:t>You may nest these.  Make sure you keep track of your indentation!</a:t>
+            </a:r>
+          </a:p>
+          <a:p>
+            <a:endParaRPr lang="en-US" sz="3200" dirty="0"/>
+          </a:p>
+          <a:p>
+            <a:r>
+              <a:rPr lang="en-US" sz="3200" b="1" u="sng" dirty="0"/>
+              <a:t>If you don’t have correct indentation, your program may not work!</a:t>
             </a:r>
           </a:p>
         </p:txBody>
@@ -20990,7 +21226,7 @@
               </a14:hiddenEffects>
             </a:ext>
             <a:ext uri="{FAA26D3D-D897-4be2-8F04-BA451C77F1D7}">
-              <ma14:placeholderFlag xmlns="" xmlns:ma14="http://schemas.microsoft.com/office/mac/drawingml/2011/main" val="1"/>
+              <ma14:placeholderFlag xmlns:ma14="http://schemas.microsoft.com/office/mac/drawingml/2011/main" xmlns="" val="1"/>
             </a:ext>
           </a:extLst>
         </p:spPr>
@@ -22257,6 +22493,1708 @@
           <p:cNvPr id="2" name="Title 1">
             <a:extLst>
               <a:ext uri="{FF2B5EF4-FFF2-40B4-BE49-F238E27FC236}">
+                <a16:creationId xmlns:a16="http://schemas.microsoft.com/office/drawing/2014/main" id="{B8FE1D27-504D-5640-BAA4-ADFB6D01136D}"/>
+              </a:ext>
+            </a:extLst>
+          </p:cNvPr>
+          <p:cNvSpPr>
+            <a:spLocks noGrp="1"/>
+          </p:cNvSpPr>
+          <p:nvPr>
+            <p:ph type="title"/>
+          </p:nvPr>
+        </p:nvSpPr>
+        <p:spPr/>
+        <p:txBody>
+          <a:bodyPr/>
+          <a:lstStyle/>
+          <a:p>
+            <a:r>
+              <a:rPr lang="en-US" dirty="0"/>
+              <a:t>Indentation</a:t>
+            </a:r>
+          </a:p>
+        </p:txBody>
+      </p:sp>
+      <p:sp>
+        <p:nvSpPr>
+          <p:cNvPr id="9" name="Rectangle 3">
+            <a:extLst>
+              <a:ext uri="{FF2B5EF4-FFF2-40B4-BE49-F238E27FC236}">
+                <a16:creationId xmlns:a16="http://schemas.microsoft.com/office/drawing/2014/main" id="{224D337B-C75C-254D-9B4E-3D83F2163C0F}"/>
+              </a:ext>
+            </a:extLst>
+          </p:cNvPr>
+          <p:cNvSpPr txBox="1">
+            <a:spLocks noChangeArrowheads="1"/>
+          </p:cNvSpPr>
+          <p:nvPr/>
+        </p:nvSpPr>
+        <p:spPr bwMode="auto">
+          <a:xfrm>
+            <a:off x="320675" y="2286000"/>
+            <a:ext cx="8670925" cy="5049837"/>
+          </a:xfrm>
+          <a:prstGeom prst="rect">
+            <a:avLst/>
+          </a:prstGeom>
+          <a:noFill/>
+          <a:ln>
+            <a:noFill/>
+          </a:ln>
+          <a:effectLst/>
+          <a:extLst>
+            <a:ext uri="{909E8E84-426E-40DD-AFC4-6F175D3DCCD1}">
+              <a14:hiddenFill xmlns:a14="http://schemas.microsoft.com/office/drawing/2010/main">
+                <a:solidFill>
+                  <a:schemeClr val="accent1"/>
+                </a:solidFill>
+              </a14:hiddenFill>
+            </a:ext>
+            <a:ext uri="{91240B29-F687-4F45-9708-019B960494DF}">
+              <a14:hiddenLine xmlns:a14="http://schemas.microsoft.com/office/drawing/2010/main" w="9525">
+                <a:solidFill>
+                  <a:schemeClr val="tx1"/>
+                </a:solidFill>
+                <a:miter lim="800000"/>
+                <a:headEnd/>
+                <a:tailEnd/>
+              </a14:hiddenLine>
+            </a:ext>
+            <a:ext uri="{AF507438-7753-43E0-B8FC-AC1667EBCBE1}">
+              <a14:hiddenEffects xmlns:a14="http://schemas.microsoft.com/office/drawing/2010/main">
+                <a:effectLst>
+                  <a:outerShdw blurRad="63500" dist="38099" dir="2700000" algn="ctr" rotWithShape="0">
+                    <a:schemeClr val="bg2">
+                      <a:alpha val="74998"/>
+                    </a:schemeClr>
+                  </a:outerShdw>
+                </a:effectLst>
+              </a14:hiddenEffects>
+            </a:ext>
+            <a:ext uri="{FAA26D3D-D897-4be2-8F04-BA451C77F1D7}">
+              <ma14:placeholderFlag xmlns="" xmlns:ma14="http://schemas.microsoft.com/office/mac/drawingml/2011/main" val="1"/>
+            </a:ext>
+          </a:extLst>
+        </p:spPr>
+        <p:txBody>
+          <a:bodyPr vert="horz" wrap="square" lIns="90487" tIns="44450" rIns="90487" bIns="44450" numCol="1" anchor="t" anchorCtr="0" compatLnSpc="1">
+            <a:prstTxWarp prst="textNoShape">
+              <a:avLst/>
+            </a:prstTxWarp>
+          </a:bodyPr>
+          <a:lstStyle>
+            <a:lvl1pPr marL="228600" indent="-228600" algn="l" defTabSz="914400" rtl="0" eaLnBrk="1" latinLnBrk="0" hangingPunct="1">
+              <a:lnSpc>
+                <a:spcPct val="90000"/>
+              </a:lnSpc>
+              <a:spcBef>
+                <a:spcPts val="1000"/>
+              </a:spcBef>
+              <a:buFont typeface="Arial" panose="020B0604020202020204" pitchFamily="34" charset="0"/>
+              <a:buChar char="•"/>
+              <a:defRPr sz="2800" kern="1200">
+                <a:solidFill>
+                  <a:schemeClr val="tx1"/>
+                </a:solidFill>
+                <a:latin typeface="+mn-lt"/>
+                <a:ea typeface="+mn-ea"/>
+                <a:cs typeface="+mn-cs"/>
+              </a:defRPr>
+            </a:lvl1pPr>
+            <a:lvl2pPr marL="685800" indent="-228600" algn="l" defTabSz="914400" rtl="0" eaLnBrk="1" latinLnBrk="0" hangingPunct="1">
+              <a:lnSpc>
+                <a:spcPct val="90000"/>
+              </a:lnSpc>
+              <a:spcBef>
+                <a:spcPts val="500"/>
+              </a:spcBef>
+              <a:buFont typeface="Arial" panose="020B0604020202020204" pitchFamily="34" charset="0"/>
+              <a:buChar char="•"/>
+              <a:defRPr sz="2400" kern="1200">
+                <a:solidFill>
+                  <a:schemeClr val="tx1"/>
+                </a:solidFill>
+                <a:latin typeface="+mn-lt"/>
+                <a:ea typeface="+mn-ea"/>
+                <a:cs typeface="+mn-cs"/>
+              </a:defRPr>
+            </a:lvl2pPr>
+            <a:lvl3pPr marL="1143000" indent="-228600" algn="l" defTabSz="914400" rtl="0" eaLnBrk="1" latinLnBrk="0" hangingPunct="1">
+              <a:lnSpc>
+                <a:spcPct val="90000"/>
+              </a:lnSpc>
+              <a:spcBef>
+                <a:spcPts val="500"/>
+              </a:spcBef>
+              <a:buFont typeface="Arial" panose="020B0604020202020204" pitchFamily="34" charset="0"/>
+              <a:buChar char="•"/>
+              <a:defRPr sz="2000" kern="1200">
+                <a:solidFill>
+                  <a:schemeClr val="tx1"/>
+                </a:solidFill>
+                <a:latin typeface="+mn-lt"/>
+                <a:ea typeface="+mn-ea"/>
+                <a:cs typeface="+mn-cs"/>
+              </a:defRPr>
+            </a:lvl3pPr>
+            <a:lvl4pPr marL="1600200" indent="-228600" algn="l" defTabSz="914400" rtl="0" eaLnBrk="1" latinLnBrk="0" hangingPunct="1">
+              <a:lnSpc>
+                <a:spcPct val="90000"/>
+              </a:lnSpc>
+              <a:spcBef>
+                <a:spcPts val="500"/>
+              </a:spcBef>
+              <a:buFont typeface="Arial" panose="020B0604020202020204" pitchFamily="34" charset="0"/>
+              <a:buChar char="•"/>
+              <a:defRPr sz="1800" kern="1200">
+                <a:solidFill>
+                  <a:schemeClr val="tx1"/>
+                </a:solidFill>
+                <a:latin typeface="+mn-lt"/>
+                <a:ea typeface="+mn-ea"/>
+                <a:cs typeface="+mn-cs"/>
+              </a:defRPr>
+            </a:lvl4pPr>
+            <a:lvl5pPr marL="2057400" indent="-228600" algn="l" defTabSz="914400" rtl="0" eaLnBrk="1" latinLnBrk="0" hangingPunct="1">
+              <a:lnSpc>
+                <a:spcPct val="90000"/>
+              </a:lnSpc>
+              <a:spcBef>
+                <a:spcPts val="500"/>
+              </a:spcBef>
+              <a:buFont typeface="Arial" panose="020B0604020202020204" pitchFamily="34" charset="0"/>
+              <a:buChar char="•"/>
+              <a:defRPr sz="1800" kern="1200">
+                <a:solidFill>
+                  <a:schemeClr val="tx1"/>
+                </a:solidFill>
+                <a:latin typeface="+mn-lt"/>
+                <a:ea typeface="+mn-ea"/>
+                <a:cs typeface="+mn-cs"/>
+              </a:defRPr>
+            </a:lvl5pPr>
+            <a:lvl6pPr marL="2514600" indent="-228600" algn="l" defTabSz="914400" rtl="0" eaLnBrk="1" latinLnBrk="0" hangingPunct="1">
+              <a:lnSpc>
+                <a:spcPct val="90000"/>
+              </a:lnSpc>
+              <a:spcBef>
+                <a:spcPts val="500"/>
+              </a:spcBef>
+              <a:buFont typeface="Arial" panose="020B0604020202020204" pitchFamily="34" charset="0"/>
+              <a:buChar char="•"/>
+              <a:defRPr sz="1800" kern="1200">
+                <a:solidFill>
+                  <a:schemeClr val="tx1"/>
+                </a:solidFill>
+                <a:latin typeface="+mn-lt"/>
+                <a:ea typeface="+mn-ea"/>
+                <a:cs typeface="+mn-cs"/>
+              </a:defRPr>
+            </a:lvl6pPr>
+            <a:lvl7pPr marL="2971800" indent="-228600" algn="l" defTabSz="914400" rtl="0" eaLnBrk="1" latinLnBrk="0" hangingPunct="1">
+              <a:lnSpc>
+                <a:spcPct val="90000"/>
+              </a:lnSpc>
+              <a:spcBef>
+                <a:spcPts val="500"/>
+              </a:spcBef>
+              <a:buFont typeface="Arial" panose="020B0604020202020204" pitchFamily="34" charset="0"/>
+              <a:buChar char="•"/>
+              <a:defRPr sz="1800" kern="1200">
+                <a:solidFill>
+                  <a:schemeClr val="tx1"/>
+                </a:solidFill>
+                <a:latin typeface="+mn-lt"/>
+                <a:ea typeface="+mn-ea"/>
+                <a:cs typeface="+mn-cs"/>
+              </a:defRPr>
+            </a:lvl7pPr>
+            <a:lvl8pPr marL="3429000" indent="-228600" algn="l" defTabSz="914400" rtl="0" eaLnBrk="1" latinLnBrk="0" hangingPunct="1">
+              <a:lnSpc>
+                <a:spcPct val="90000"/>
+              </a:lnSpc>
+              <a:spcBef>
+                <a:spcPts val="500"/>
+              </a:spcBef>
+              <a:buFont typeface="Arial" panose="020B0604020202020204" pitchFamily="34" charset="0"/>
+              <a:buChar char="•"/>
+              <a:defRPr sz="1800" kern="1200">
+                <a:solidFill>
+                  <a:schemeClr val="tx1"/>
+                </a:solidFill>
+                <a:latin typeface="+mn-lt"/>
+                <a:ea typeface="+mn-ea"/>
+                <a:cs typeface="+mn-cs"/>
+              </a:defRPr>
+            </a:lvl8pPr>
+            <a:lvl9pPr marL="3886200" indent="-228600" algn="l" defTabSz="914400" rtl="0" eaLnBrk="1" latinLnBrk="0" hangingPunct="1">
+              <a:lnSpc>
+                <a:spcPct val="90000"/>
+              </a:lnSpc>
+              <a:spcBef>
+                <a:spcPts val="500"/>
+              </a:spcBef>
+              <a:buFont typeface="Arial" panose="020B0604020202020204" pitchFamily="34" charset="0"/>
+              <a:buChar char="•"/>
+              <a:defRPr sz="1800" kern="1200">
+                <a:solidFill>
+                  <a:schemeClr val="tx1"/>
+                </a:solidFill>
+                <a:latin typeface="+mn-lt"/>
+                <a:ea typeface="+mn-ea"/>
+                <a:cs typeface="+mn-cs"/>
+              </a:defRPr>
+            </a:lvl9pPr>
+          </a:lstStyle>
+          <a:p>
+            <a:pPr>
+              <a:spcBef>
+                <a:spcPct val="0"/>
+              </a:spcBef>
+              <a:buClr>
+                <a:schemeClr val="bg2"/>
+              </a:buClr>
+              <a:buFontTx/>
+              <a:buNone/>
+            </a:pPr>
+            <a:r>
+              <a:rPr lang="en-US" altLang="en-US" b="1" dirty="0">
+                <a:latin typeface="Courier New" panose="02070309020205020404" pitchFamily="49" charset="0"/>
+              </a:rPr>
+              <a:t>	</a:t>
+            </a:r>
+          </a:p>
+          <a:p>
+            <a:pPr>
+              <a:spcBef>
+                <a:spcPct val="0"/>
+              </a:spcBef>
+              <a:buClr>
+                <a:schemeClr val="bg2"/>
+              </a:buClr>
+              <a:buFontTx/>
+              <a:buNone/>
+            </a:pPr>
+            <a:r>
+              <a:rPr lang="en-US" altLang="en-US" b="1" dirty="0">
+                <a:latin typeface="Courier New" panose="02070309020205020404" pitchFamily="49" charset="0"/>
+              </a:rPr>
+              <a:t>	def </a:t>
+            </a:r>
+            <a:r>
+              <a:rPr lang="en-US" altLang="en-US" b="1" dirty="0" err="1">
+                <a:latin typeface="Courier New" panose="02070309020205020404" pitchFamily="49" charset="0"/>
+              </a:rPr>
+              <a:t>my_command</a:t>
+            </a:r>
+            <a:r>
+              <a:rPr lang="en-US" altLang="en-US" b="1" dirty="0">
+                <a:latin typeface="Courier New" panose="02070309020205020404" pitchFamily="49" charset="0"/>
+              </a:rPr>
+              <a:t>():</a:t>
+            </a:r>
+          </a:p>
+          <a:p>
+            <a:pPr>
+              <a:spcBef>
+                <a:spcPct val="0"/>
+              </a:spcBef>
+              <a:buClr>
+                <a:schemeClr val="bg2"/>
+              </a:buClr>
+              <a:buFontTx/>
+              <a:buNone/>
+            </a:pPr>
+            <a:r>
+              <a:rPr lang="en-US" altLang="en-US" b="1" dirty="0">
+                <a:latin typeface="Courier New" panose="02070309020205020404" pitchFamily="49" charset="0"/>
+              </a:rPr>
+              <a:t>      for </a:t>
+            </a:r>
+            <a:r>
+              <a:rPr lang="en-US" altLang="en-US" b="1" dirty="0" err="1">
+                <a:latin typeface="Courier New" panose="02070309020205020404" pitchFamily="49" charset="0"/>
+              </a:rPr>
+              <a:t>i</a:t>
+            </a:r>
+            <a:r>
+              <a:rPr lang="en-US" altLang="en-US" b="1" dirty="0">
+                <a:latin typeface="Courier New" panose="02070309020205020404" pitchFamily="49" charset="0"/>
+              </a:rPr>
+              <a:t> in range(3):</a:t>
+            </a:r>
+          </a:p>
+          <a:p>
+            <a:pPr>
+              <a:spcBef>
+                <a:spcPct val="0"/>
+              </a:spcBef>
+              <a:buClr>
+                <a:schemeClr val="bg2"/>
+              </a:buClr>
+              <a:buFontTx/>
+              <a:buNone/>
+            </a:pPr>
+            <a:r>
+              <a:rPr lang="en-US" altLang="en-US" b="1" dirty="0">
+                <a:latin typeface="Courier New" panose="02070309020205020404" pitchFamily="49" charset="0"/>
+              </a:rPr>
+              <a:t>	        </a:t>
+            </a:r>
+            <a:r>
+              <a:rPr lang="en-US" altLang="en-US" b="1" dirty="0" err="1">
+                <a:latin typeface="Courier New" panose="02070309020205020404" pitchFamily="49" charset="0"/>
+              </a:rPr>
+              <a:t>turn_left</a:t>
+            </a:r>
+            <a:r>
+              <a:rPr lang="en-US" altLang="en-US" b="1" dirty="0">
+                <a:latin typeface="Courier New" panose="02070309020205020404" pitchFamily="49" charset="0"/>
+              </a:rPr>
+              <a:t>()</a:t>
+            </a:r>
+          </a:p>
+          <a:p>
+            <a:pPr>
+              <a:spcBef>
+                <a:spcPct val="0"/>
+              </a:spcBef>
+              <a:buClr>
+                <a:schemeClr val="bg2"/>
+              </a:buClr>
+              <a:buFontTx/>
+              <a:buNone/>
+            </a:pPr>
+            <a:r>
+              <a:rPr lang="en-US" altLang="en-US" b="1" dirty="0">
+                <a:latin typeface="Courier New" panose="02070309020205020404" pitchFamily="49" charset="0"/>
+              </a:rPr>
+              <a:t>      </a:t>
+            </a:r>
+            <a:r>
+              <a:rPr lang="en-US" altLang="en-US" b="1" dirty="0" err="1">
+                <a:latin typeface="Courier New" panose="02070309020205020404" pitchFamily="49" charset="0"/>
+              </a:rPr>
+              <a:t>put_beeper</a:t>
+            </a:r>
+            <a:r>
+              <a:rPr lang="en-US" altLang="en-US" b="1" dirty="0">
+                <a:latin typeface="Courier New" panose="02070309020205020404" pitchFamily="49" charset="0"/>
+              </a:rPr>
+              <a:t>()</a:t>
+            </a:r>
+          </a:p>
+          <a:p>
+            <a:pPr>
+              <a:spcBef>
+                <a:spcPct val="0"/>
+              </a:spcBef>
+              <a:buClr>
+                <a:schemeClr val="bg2"/>
+              </a:buClr>
+              <a:buFontTx/>
+              <a:buNone/>
+            </a:pPr>
+            <a:endParaRPr lang="en-US" altLang="en-US" b="1" dirty="0">
+              <a:latin typeface="Courier New" panose="02070309020205020404" pitchFamily="49" charset="0"/>
+            </a:endParaRPr>
+          </a:p>
+          <a:p>
+            <a:pPr>
+              <a:spcBef>
+                <a:spcPct val="0"/>
+              </a:spcBef>
+              <a:buClr>
+                <a:schemeClr val="bg2"/>
+              </a:buClr>
+              <a:buFontTx/>
+              <a:buNone/>
+            </a:pPr>
+            <a:endParaRPr lang="en-US" altLang="en-US" b="1" dirty="0">
+              <a:latin typeface="Courier New" panose="02070309020205020404" pitchFamily="49" charset="0"/>
+            </a:endParaRPr>
+          </a:p>
+          <a:p>
+            <a:pPr>
+              <a:spcBef>
+                <a:spcPct val="0"/>
+              </a:spcBef>
+              <a:buClr>
+                <a:schemeClr val="bg2"/>
+              </a:buClr>
+              <a:buFontTx/>
+              <a:buNone/>
+            </a:pPr>
+            <a:r>
+              <a:rPr lang="en-US" altLang="en-US" b="1" dirty="0">
+                <a:latin typeface="Courier New" panose="02070309020205020404" pitchFamily="49" charset="0"/>
+              </a:rPr>
+              <a:t>	def </a:t>
+            </a:r>
+            <a:r>
+              <a:rPr lang="en-US" altLang="en-US" b="1" dirty="0" err="1">
+                <a:latin typeface="Courier New" panose="02070309020205020404" pitchFamily="49" charset="0"/>
+              </a:rPr>
+              <a:t>my_command</a:t>
+            </a:r>
+            <a:r>
+              <a:rPr lang="en-US" altLang="en-US" b="1" dirty="0">
+                <a:latin typeface="Courier New" panose="02070309020205020404" pitchFamily="49" charset="0"/>
+              </a:rPr>
+              <a:t>():</a:t>
+            </a:r>
+          </a:p>
+          <a:p>
+            <a:pPr>
+              <a:spcBef>
+                <a:spcPct val="0"/>
+              </a:spcBef>
+              <a:buClr>
+                <a:schemeClr val="bg2"/>
+              </a:buClr>
+              <a:buFontTx/>
+              <a:buNone/>
+            </a:pPr>
+            <a:r>
+              <a:rPr lang="en-US" altLang="en-US" b="1" dirty="0">
+                <a:latin typeface="Courier New" panose="02070309020205020404" pitchFamily="49" charset="0"/>
+              </a:rPr>
+              <a:t>      for </a:t>
+            </a:r>
+            <a:r>
+              <a:rPr lang="en-US" altLang="en-US" b="1" dirty="0" err="1">
+                <a:latin typeface="Courier New" panose="02070309020205020404" pitchFamily="49" charset="0"/>
+              </a:rPr>
+              <a:t>i</a:t>
+            </a:r>
+            <a:r>
+              <a:rPr lang="en-US" altLang="en-US" b="1" dirty="0">
+                <a:latin typeface="Courier New" panose="02070309020205020404" pitchFamily="49" charset="0"/>
+              </a:rPr>
+              <a:t> in range(3):</a:t>
+            </a:r>
+          </a:p>
+          <a:p>
+            <a:pPr>
+              <a:spcBef>
+                <a:spcPct val="0"/>
+              </a:spcBef>
+              <a:buClr>
+                <a:schemeClr val="bg2"/>
+              </a:buClr>
+              <a:buFontTx/>
+              <a:buNone/>
+            </a:pPr>
+            <a:r>
+              <a:rPr lang="en-US" altLang="en-US" b="1" dirty="0">
+                <a:latin typeface="Courier New" panose="02070309020205020404" pitchFamily="49" charset="0"/>
+              </a:rPr>
+              <a:t>	        </a:t>
+            </a:r>
+            <a:r>
+              <a:rPr lang="en-US" altLang="en-US" b="1" dirty="0" err="1">
+                <a:latin typeface="Courier New" panose="02070309020205020404" pitchFamily="49" charset="0"/>
+              </a:rPr>
+              <a:t>turn_left</a:t>
+            </a:r>
+            <a:r>
+              <a:rPr lang="en-US" altLang="en-US" b="1" dirty="0">
+                <a:latin typeface="Courier New" panose="02070309020205020404" pitchFamily="49" charset="0"/>
+              </a:rPr>
+              <a:t>()</a:t>
+            </a:r>
+          </a:p>
+          <a:p>
+            <a:pPr>
+              <a:spcBef>
+                <a:spcPct val="0"/>
+              </a:spcBef>
+              <a:buClr>
+                <a:schemeClr val="bg2"/>
+              </a:buClr>
+              <a:buFontTx/>
+              <a:buNone/>
+            </a:pPr>
+            <a:r>
+              <a:rPr lang="en-US" altLang="en-US" b="1" dirty="0">
+                <a:latin typeface="Courier New" panose="02070309020205020404" pitchFamily="49" charset="0"/>
+              </a:rPr>
+              <a:t>      	 </a:t>
+            </a:r>
+            <a:r>
+              <a:rPr lang="en-US" altLang="en-US" b="1" dirty="0" err="1">
+                <a:latin typeface="Courier New" panose="02070309020205020404" pitchFamily="49" charset="0"/>
+              </a:rPr>
+              <a:t>put_beeper</a:t>
+            </a:r>
+            <a:r>
+              <a:rPr lang="en-US" altLang="en-US" b="1" dirty="0">
+                <a:latin typeface="Courier New" panose="02070309020205020404" pitchFamily="49" charset="0"/>
+              </a:rPr>
+              <a:t>()</a:t>
+            </a:r>
+          </a:p>
+          <a:p>
+            <a:pPr>
+              <a:spcBef>
+                <a:spcPct val="0"/>
+              </a:spcBef>
+              <a:buClr>
+                <a:schemeClr val="bg2"/>
+              </a:buClr>
+              <a:buFontTx/>
+              <a:buNone/>
+            </a:pPr>
+            <a:endParaRPr lang="en-US" altLang="en-US" b="1" dirty="0">
+              <a:latin typeface="Courier New" panose="02070309020205020404" pitchFamily="49" charset="0"/>
+            </a:endParaRPr>
+          </a:p>
+          <a:p>
+            <a:pPr>
+              <a:spcBef>
+                <a:spcPct val="0"/>
+              </a:spcBef>
+              <a:buClr>
+                <a:schemeClr val="bg2"/>
+              </a:buClr>
+              <a:buFontTx/>
+              <a:buNone/>
+            </a:pPr>
+            <a:endParaRPr lang="en-US" altLang="en-US" b="1" dirty="0">
+              <a:latin typeface="Courier New" panose="02070309020205020404" pitchFamily="49" charset="0"/>
+            </a:endParaRPr>
+          </a:p>
+          <a:p>
+            <a:pPr>
+              <a:spcBef>
+                <a:spcPct val="0"/>
+              </a:spcBef>
+              <a:buClr>
+                <a:schemeClr val="bg2"/>
+              </a:buClr>
+              <a:buFontTx/>
+              <a:buNone/>
+            </a:pPr>
+            <a:endParaRPr lang="en-US" altLang="en-US" b="1" dirty="0">
+              <a:latin typeface="Courier New" panose="02070309020205020404" pitchFamily="49" charset="0"/>
+            </a:endParaRPr>
+          </a:p>
+          <a:p>
+            <a:pPr>
+              <a:spcBef>
+                <a:spcPct val="0"/>
+              </a:spcBef>
+              <a:buClr>
+                <a:schemeClr val="bg2"/>
+              </a:buClr>
+              <a:buFontTx/>
+              <a:buNone/>
+            </a:pPr>
+            <a:endParaRPr lang="en-US" altLang="en-US" b="1" dirty="0">
+              <a:latin typeface="Courier New" panose="02070309020205020404" pitchFamily="49" charset="0"/>
+            </a:endParaRPr>
+          </a:p>
+        </p:txBody>
+      </p:sp>
+      <p:cxnSp>
+        <p:nvCxnSpPr>
+          <p:cNvPr id="10" name="Straight Connector 9">
+            <a:extLst>
+              <a:ext uri="{FF2B5EF4-FFF2-40B4-BE49-F238E27FC236}">
+                <a16:creationId xmlns:a16="http://schemas.microsoft.com/office/drawing/2014/main" id="{98F1D8CB-2A6F-B14F-9371-55F884CE375E}"/>
+              </a:ext>
+            </a:extLst>
+          </p:cNvPr>
+          <p:cNvCxnSpPr>
+            <a:cxnSpLocks noChangeShapeType="1"/>
+          </p:cNvCxnSpPr>
+          <p:nvPr/>
+        </p:nvCxnSpPr>
+        <p:spPr bwMode="auto">
+          <a:xfrm>
+            <a:off x="457200" y="4491037"/>
+            <a:ext cx="8305800" cy="0"/>
+          </a:xfrm>
+          <a:prstGeom prst="line">
+            <a:avLst/>
+          </a:prstGeom>
+          <a:noFill/>
+          <a:ln w="38100" algn="ctr">
+            <a:solidFill>
+              <a:schemeClr val="tx1"/>
+            </a:solidFill>
+            <a:round/>
+            <a:headEnd type="none" w="sm" len="sm"/>
+            <a:tailEnd type="none" w="sm" len="sm"/>
+          </a:ln>
+          <a:extLst>
+            <a:ext uri="{909E8E84-426E-40DD-AFC4-6F175D3DCCD1}">
+              <a14:hiddenFill xmlns:a14="http://schemas.microsoft.com/office/drawing/2010/main">
+                <a:noFill/>
+              </a14:hiddenFill>
+            </a:ext>
+          </a:extLst>
+        </p:spPr>
+      </p:cxnSp>
+      <p:sp>
+        <p:nvSpPr>
+          <p:cNvPr id="11" name="Rounded Rectangle 11">
+            <a:extLst>
+              <a:ext uri="{FF2B5EF4-FFF2-40B4-BE49-F238E27FC236}">
+                <a16:creationId xmlns:a16="http://schemas.microsoft.com/office/drawing/2014/main" id="{F0CD6A15-2A1A-774B-A199-DFC9FB90EA4D}"/>
+              </a:ext>
+            </a:extLst>
+          </p:cNvPr>
+          <p:cNvSpPr/>
+          <p:nvPr/>
+        </p:nvSpPr>
+        <p:spPr>
+          <a:xfrm>
+            <a:off x="653143" y="5405437"/>
+            <a:ext cx="875760" cy="1230561"/>
+          </a:xfrm>
+          <a:prstGeom prst="roundRect">
+            <a:avLst/>
+          </a:prstGeom>
+          <a:solidFill>
+            <a:srgbClr val="1F497D">
+              <a:lumMod val="20000"/>
+              <a:lumOff val="80000"/>
+            </a:srgbClr>
+          </a:solidFill>
+          <a:ln w="9525" cap="flat" cmpd="sng" algn="ctr">
+            <a:noFill/>
+            <a:prstDash val="solid"/>
+          </a:ln>
+          <a:effectLst/>
+        </p:spPr>
+        <p:txBody>
+          <a:bodyPr rtlCol="0" anchor="ctr"/>
+          <a:lstStyle/>
+          <a:p>
+            <a:pPr marL="0" marR="0" lvl="0" indent="0" algn="ctr" defTabSz="914400" eaLnBrk="1" fontAlgn="auto" latinLnBrk="0" hangingPunct="1">
+              <a:lnSpc>
+                <a:spcPct val="100000"/>
+              </a:lnSpc>
+              <a:spcBef>
+                <a:spcPts val="0"/>
+              </a:spcBef>
+              <a:spcAft>
+                <a:spcPts val="0"/>
+              </a:spcAft>
+              <a:buClrTx/>
+              <a:buSzTx/>
+              <a:buFontTx/>
+              <a:buNone/>
+              <a:tabLst/>
+              <a:defRPr/>
+            </a:pPr>
+            <a:endParaRPr kumimoji="0" lang="en-US" sz="1800" b="0" i="0" u="none" strike="noStrike" kern="0" cap="none" spc="0" normalizeH="0" baseline="0" noProof="0" dirty="0">
+              <a:ln>
+                <a:noFill/>
+              </a:ln>
+              <a:solidFill>
+                <a:prstClr val="white"/>
+              </a:solidFill>
+              <a:effectLst/>
+              <a:uLnTx/>
+              <a:uFillTx/>
+              <a:latin typeface="Calibri"/>
+              <a:ea typeface="+mn-ea"/>
+              <a:cs typeface="+mn-cs"/>
+            </a:endParaRPr>
+          </a:p>
+        </p:txBody>
+      </p:sp>
+      <p:sp>
+        <p:nvSpPr>
+          <p:cNvPr id="12" name="Rounded Rectangle 7">
+            <a:extLst>
+              <a:ext uri="{FF2B5EF4-FFF2-40B4-BE49-F238E27FC236}">
+                <a16:creationId xmlns:a16="http://schemas.microsoft.com/office/drawing/2014/main" id="{C40AEE03-1581-2441-9A0B-FE571A521E37}"/>
+              </a:ext>
+            </a:extLst>
+          </p:cNvPr>
+          <p:cNvSpPr/>
+          <p:nvPr/>
+        </p:nvSpPr>
+        <p:spPr>
+          <a:xfrm>
+            <a:off x="1567543" y="5786449"/>
+            <a:ext cx="738438" cy="849549"/>
+          </a:xfrm>
+          <a:prstGeom prst="roundRect">
+            <a:avLst/>
+          </a:prstGeom>
+          <a:solidFill>
+            <a:srgbClr val="9BBB59">
+              <a:lumMod val="20000"/>
+              <a:lumOff val="80000"/>
+            </a:srgbClr>
+          </a:solidFill>
+          <a:ln w="9525" cap="flat" cmpd="sng" algn="ctr">
+            <a:noFill/>
+            <a:prstDash val="solid"/>
+          </a:ln>
+          <a:effectLst/>
+        </p:spPr>
+        <p:txBody>
+          <a:bodyPr rtlCol="0" anchor="ctr"/>
+          <a:lstStyle/>
+          <a:p>
+            <a:pPr marL="0" marR="0" lvl="0" indent="0" algn="ctr" defTabSz="914400" eaLnBrk="1" fontAlgn="auto" latinLnBrk="0" hangingPunct="1">
+              <a:lnSpc>
+                <a:spcPct val="100000"/>
+              </a:lnSpc>
+              <a:spcBef>
+                <a:spcPts val="0"/>
+              </a:spcBef>
+              <a:spcAft>
+                <a:spcPts val="0"/>
+              </a:spcAft>
+              <a:buClrTx/>
+              <a:buSzTx/>
+              <a:buFontTx/>
+              <a:buNone/>
+              <a:tabLst/>
+              <a:defRPr/>
+            </a:pPr>
+            <a:endParaRPr kumimoji="0" lang="en-US" sz="1800" b="0" i="0" u="none" strike="noStrike" kern="0" cap="none" spc="0" normalizeH="0" baseline="0" noProof="0" dirty="0">
+              <a:ln>
+                <a:noFill/>
+              </a:ln>
+              <a:solidFill>
+                <a:prstClr val="white"/>
+              </a:solidFill>
+              <a:effectLst/>
+              <a:uLnTx/>
+              <a:uFillTx/>
+              <a:latin typeface="Calibri"/>
+              <a:ea typeface="+mn-ea"/>
+              <a:cs typeface="+mn-cs"/>
+            </a:endParaRPr>
+          </a:p>
+        </p:txBody>
+      </p:sp>
+      <p:sp>
+        <p:nvSpPr>
+          <p:cNvPr id="14" name="Rectangle 13">
+            <a:extLst>
+              <a:ext uri="{FF2B5EF4-FFF2-40B4-BE49-F238E27FC236}">
+                <a16:creationId xmlns:a16="http://schemas.microsoft.com/office/drawing/2014/main" id="{627C637A-A815-F947-A864-E81E2F5E433D}"/>
+              </a:ext>
+            </a:extLst>
+          </p:cNvPr>
+          <p:cNvSpPr/>
+          <p:nvPr/>
+        </p:nvSpPr>
+        <p:spPr>
+          <a:xfrm>
+            <a:off x="320675" y="1291684"/>
+            <a:ext cx="11550650" cy="584775"/>
+          </a:xfrm>
+          <a:prstGeom prst="rect">
+            <a:avLst/>
+          </a:prstGeom>
+        </p:spPr>
+        <p:txBody>
+          <a:bodyPr wrap="square">
+            <a:spAutoFit/>
+          </a:bodyPr>
+          <a:lstStyle/>
+          <a:p>
+            <a:r>
+              <a:rPr lang="en-US" sz="3200" dirty="0"/>
+              <a:t>Karel is </a:t>
+            </a:r>
+            <a:r>
+              <a:rPr lang="en-US" sz="3200" i="1" dirty="0"/>
+              <a:t>very</a:t>
+            </a:r>
+            <a:r>
+              <a:rPr lang="en-US" sz="3200" dirty="0"/>
+              <a:t> picky about indentation.</a:t>
+            </a:r>
+          </a:p>
+        </p:txBody>
+      </p:sp>
+      <p:sp>
+        <p:nvSpPr>
+          <p:cNvPr id="15" name="Text Box 2">
+            <a:extLst>
+              <a:ext uri="{FF2B5EF4-FFF2-40B4-BE49-F238E27FC236}">
+                <a16:creationId xmlns:a16="http://schemas.microsoft.com/office/drawing/2014/main" id="{2F5E6777-ADDF-7E4D-A59A-B6466A926EFD}"/>
+              </a:ext>
+            </a:extLst>
+          </p:cNvPr>
+          <p:cNvSpPr txBox="1">
+            <a:spLocks noChangeArrowheads="1"/>
+          </p:cNvSpPr>
+          <p:nvPr/>
+        </p:nvSpPr>
+        <p:spPr bwMode="auto">
+          <a:xfrm>
+            <a:off x="7457828" y="2049136"/>
+            <a:ext cx="3210172" cy="1151238"/>
+          </a:xfrm>
+          <a:prstGeom prst="rect">
+            <a:avLst/>
+          </a:prstGeom>
+          <a:solidFill>
+            <a:srgbClr val="FFFFFF"/>
+          </a:solidFill>
+          <a:ln w="36720" cap="flat">
+            <a:solidFill>
+              <a:srgbClr val="000000"/>
+            </a:solidFill>
+            <a:round/>
+            <a:headEnd/>
+            <a:tailEnd/>
+          </a:ln>
+          <a:effectLst>
+            <a:outerShdw blurRad="63500" dist="152735" dir="2700000" algn="ctr" rotWithShape="0">
+              <a:srgbClr val="808080"/>
+            </a:outerShdw>
+          </a:effectLst>
+        </p:spPr>
+        <p:txBody>
+          <a:bodyPr lIns="97967" tIns="62633" rIns="97967" bIns="57147"/>
+          <a:lstStyle>
+            <a:lvl1pPr>
+              <a:tabLst>
+                <a:tab pos="723900" algn="l"/>
+                <a:tab pos="1447800" algn="l"/>
+                <a:tab pos="2171700" algn="l"/>
+                <a:tab pos="2895600" algn="l"/>
+                <a:tab pos="3619500" algn="l"/>
+              </a:tabLst>
+              <a:defRPr>
+                <a:solidFill>
+                  <a:srgbClr val="000000"/>
+                </a:solidFill>
+                <a:latin typeface="Arial" charset="0"/>
+                <a:ea typeface="ＭＳ Ｐゴシック" charset="0"/>
+                <a:cs typeface="Droid Sans Fallback" charset="0"/>
+              </a:defRPr>
+            </a:lvl1pPr>
+            <a:lvl2pPr>
+              <a:tabLst>
+                <a:tab pos="723900" algn="l"/>
+                <a:tab pos="1447800" algn="l"/>
+                <a:tab pos="2171700" algn="l"/>
+                <a:tab pos="2895600" algn="l"/>
+                <a:tab pos="3619500" algn="l"/>
+              </a:tabLst>
+              <a:defRPr>
+                <a:solidFill>
+                  <a:srgbClr val="000000"/>
+                </a:solidFill>
+                <a:latin typeface="Arial" charset="0"/>
+                <a:ea typeface="ＭＳ Ｐゴシック" charset="0"/>
+                <a:cs typeface="Droid Sans Fallback" charset="0"/>
+              </a:defRPr>
+            </a:lvl2pPr>
+            <a:lvl3pPr>
+              <a:tabLst>
+                <a:tab pos="723900" algn="l"/>
+                <a:tab pos="1447800" algn="l"/>
+                <a:tab pos="2171700" algn="l"/>
+                <a:tab pos="2895600" algn="l"/>
+                <a:tab pos="3619500" algn="l"/>
+              </a:tabLst>
+              <a:defRPr>
+                <a:solidFill>
+                  <a:srgbClr val="000000"/>
+                </a:solidFill>
+                <a:latin typeface="Arial" charset="0"/>
+                <a:ea typeface="ＭＳ Ｐゴシック" charset="0"/>
+                <a:cs typeface="Droid Sans Fallback" charset="0"/>
+              </a:defRPr>
+            </a:lvl3pPr>
+            <a:lvl4pPr>
+              <a:tabLst>
+                <a:tab pos="723900" algn="l"/>
+                <a:tab pos="1447800" algn="l"/>
+                <a:tab pos="2171700" algn="l"/>
+                <a:tab pos="2895600" algn="l"/>
+                <a:tab pos="3619500" algn="l"/>
+              </a:tabLst>
+              <a:defRPr>
+                <a:solidFill>
+                  <a:srgbClr val="000000"/>
+                </a:solidFill>
+                <a:latin typeface="Arial" charset="0"/>
+                <a:ea typeface="ＭＳ Ｐゴシック" charset="0"/>
+                <a:cs typeface="Droid Sans Fallback" charset="0"/>
+              </a:defRPr>
+            </a:lvl4pPr>
+            <a:lvl5pPr>
+              <a:tabLst>
+                <a:tab pos="723900" algn="l"/>
+                <a:tab pos="1447800" algn="l"/>
+                <a:tab pos="2171700" algn="l"/>
+                <a:tab pos="2895600" algn="l"/>
+                <a:tab pos="3619500" algn="l"/>
+              </a:tabLst>
+              <a:defRPr>
+                <a:solidFill>
+                  <a:srgbClr val="000000"/>
+                </a:solidFill>
+                <a:latin typeface="Arial" charset="0"/>
+                <a:ea typeface="ＭＳ Ｐゴシック" charset="0"/>
+                <a:cs typeface="Droid Sans Fallback" charset="0"/>
+              </a:defRPr>
+            </a:lvl5pPr>
+            <a:lvl6pPr marL="2514600" indent="-228600" fontAlgn="base" hangingPunct="0">
+              <a:lnSpc>
+                <a:spcPct val="93000"/>
+              </a:lnSpc>
+              <a:spcBef>
+                <a:spcPct val="0"/>
+              </a:spcBef>
+              <a:spcAft>
+                <a:spcPct val="0"/>
+              </a:spcAft>
+              <a:buClr>
+                <a:srgbClr val="000000"/>
+              </a:buClr>
+              <a:buSzPct val="100000"/>
+              <a:buFont typeface="Times New Roman" charset="0"/>
+              <a:tabLst>
+                <a:tab pos="723900" algn="l"/>
+                <a:tab pos="1447800" algn="l"/>
+                <a:tab pos="2171700" algn="l"/>
+                <a:tab pos="2895600" algn="l"/>
+                <a:tab pos="3619500" algn="l"/>
+              </a:tabLst>
+              <a:defRPr>
+                <a:solidFill>
+                  <a:srgbClr val="000000"/>
+                </a:solidFill>
+                <a:latin typeface="Arial" charset="0"/>
+                <a:ea typeface="ＭＳ Ｐゴシック" charset="0"/>
+                <a:cs typeface="Droid Sans Fallback" charset="0"/>
+              </a:defRPr>
+            </a:lvl6pPr>
+            <a:lvl7pPr marL="2971800" indent="-228600" fontAlgn="base" hangingPunct="0">
+              <a:lnSpc>
+                <a:spcPct val="93000"/>
+              </a:lnSpc>
+              <a:spcBef>
+                <a:spcPct val="0"/>
+              </a:spcBef>
+              <a:spcAft>
+                <a:spcPct val="0"/>
+              </a:spcAft>
+              <a:buClr>
+                <a:srgbClr val="000000"/>
+              </a:buClr>
+              <a:buSzPct val="100000"/>
+              <a:buFont typeface="Times New Roman" charset="0"/>
+              <a:tabLst>
+                <a:tab pos="723900" algn="l"/>
+                <a:tab pos="1447800" algn="l"/>
+                <a:tab pos="2171700" algn="l"/>
+                <a:tab pos="2895600" algn="l"/>
+                <a:tab pos="3619500" algn="l"/>
+              </a:tabLst>
+              <a:defRPr>
+                <a:solidFill>
+                  <a:srgbClr val="000000"/>
+                </a:solidFill>
+                <a:latin typeface="Arial" charset="0"/>
+                <a:ea typeface="ＭＳ Ｐゴシック" charset="0"/>
+                <a:cs typeface="Droid Sans Fallback" charset="0"/>
+              </a:defRPr>
+            </a:lvl7pPr>
+            <a:lvl8pPr marL="3429000" indent="-228600" fontAlgn="base" hangingPunct="0">
+              <a:lnSpc>
+                <a:spcPct val="93000"/>
+              </a:lnSpc>
+              <a:spcBef>
+                <a:spcPct val="0"/>
+              </a:spcBef>
+              <a:spcAft>
+                <a:spcPct val="0"/>
+              </a:spcAft>
+              <a:buClr>
+                <a:srgbClr val="000000"/>
+              </a:buClr>
+              <a:buSzPct val="100000"/>
+              <a:buFont typeface="Times New Roman" charset="0"/>
+              <a:tabLst>
+                <a:tab pos="723900" algn="l"/>
+                <a:tab pos="1447800" algn="l"/>
+                <a:tab pos="2171700" algn="l"/>
+                <a:tab pos="2895600" algn="l"/>
+                <a:tab pos="3619500" algn="l"/>
+              </a:tabLst>
+              <a:defRPr>
+                <a:solidFill>
+                  <a:srgbClr val="000000"/>
+                </a:solidFill>
+                <a:latin typeface="Arial" charset="0"/>
+                <a:ea typeface="ＭＳ Ｐゴシック" charset="0"/>
+                <a:cs typeface="Droid Sans Fallback" charset="0"/>
+              </a:defRPr>
+            </a:lvl8pPr>
+            <a:lvl9pPr marL="3886200" indent="-228600" fontAlgn="base" hangingPunct="0">
+              <a:lnSpc>
+                <a:spcPct val="93000"/>
+              </a:lnSpc>
+              <a:spcBef>
+                <a:spcPct val="0"/>
+              </a:spcBef>
+              <a:spcAft>
+                <a:spcPct val="0"/>
+              </a:spcAft>
+              <a:buClr>
+                <a:srgbClr val="000000"/>
+              </a:buClr>
+              <a:buSzPct val="100000"/>
+              <a:buFont typeface="Times New Roman" charset="0"/>
+              <a:tabLst>
+                <a:tab pos="723900" algn="l"/>
+                <a:tab pos="1447800" algn="l"/>
+                <a:tab pos="2171700" algn="l"/>
+                <a:tab pos="2895600" algn="l"/>
+                <a:tab pos="3619500" algn="l"/>
+              </a:tabLst>
+              <a:defRPr>
+                <a:solidFill>
+                  <a:srgbClr val="000000"/>
+                </a:solidFill>
+                <a:latin typeface="Arial" charset="0"/>
+                <a:ea typeface="ＭＳ Ｐゴシック" charset="0"/>
+                <a:cs typeface="Droid Sans Fallback" charset="0"/>
+              </a:defRPr>
+            </a:lvl9pPr>
+          </a:lstStyle>
+          <a:p>
+            <a:pPr algn="ctr">
+              <a:lnSpc>
+                <a:spcPct val="98000"/>
+              </a:lnSpc>
+            </a:pPr>
+            <a:r>
+              <a:rPr lang="en-US" sz="2200" dirty="0">
+                <a:latin typeface="DejaVu Serif" charset="0"/>
+              </a:rPr>
+              <a:t>These two blocks of code do different things!  What do they do?</a:t>
+            </a:r>
+          </a:p>
+        </p:txBody>
+      </p:sp>
+      <p:sp>
+        <p:nvSpPr>
+          <p:cNvPr id="17" name="Rounded Rectangle 11">
+            <a:extLst>
+              <a:ext uri="{FF2B5EF4-FFF2-40B4-BE49-F238E27FC236}">
+                <a16:creationId xmlns:a16="http://schemas.microsoft.com/office/drawing/2014/main" id="{665F954D-FDA0-594B-8894-28C62936CA73}"/>
+              </a:ext>
+            </a:extLst>
+          </p:cNvPr>
+          <p:cNvSpPr/>
+          <p:nvPr/>
+        </p:nvSpPr>
+        <p:spPr>
+          <a:xfrm>
+            <a:off x="653143" y="3094025"/>
+            <a:ext cx="875760" cy="1230561"/>
+          </a:xfrm>
+          <a:prstGeom prst="roundRect">
+            <a:avLst/>
+          </a:prstGeom>
+          <a:solidFill>
+            <a:srgbClr val="1F497D">
+              <a:lumMod val="20000"/>
+              <a:lumOff val="80000"/>
+            </a:srgbClr>
+          </a:solidFill>
+          <a:ln w="9525" cap="flat" cmpd="sng" algn="ctr">
+            <a:noFill/>
+            <a:prstDash val="solid"/>
+          </a:ln>
+          <a:effectLst/>
+        </p:spPr>
+        <p:txBody>
+          <a:bodyPr rtlCol="0" anchor="ctr"/>
+          <a:lstStyle/>
+          <a:p>
+            <a:pPr marL="0" marR="0" lvl="0" indent="0" algn="ctr" defTabSz="914400" eaLnBrk="1" fontAlgn="auto" latinLnBrk="0" hangingPunct="1">
+              <a:lnSpc>
+                <a:spcPct val="100000"/>
+              </a:lnSpc>
+              <a:spcBef>
+                <a:spcPts val="0"/>
+              </a:spcBef>
+              <a:spcAft>
+                <a:spcPts val="0"/>
+              </a:spcAft>
+              <a:buClrTx/>
+              <a:buSzTx/>
+              <a:buFontTx/>
+              <a:buNone/>
+              <a:tabLst/>
+              <a:defRPr/>
+            </a:pPr>
+            <a:endParaRPr kumimoji="0" lang="en-US" sz="1800" b="0" i="0" u="none" strike="noStrike" kern="0" cap="none" spc="0" normalizeH="0" baseline="0" noProof="0" dirty="0">
+              <a:ln>
+                <a:noFill/>
+              </a:ln>
+              <a:solidFill>
+                <a:prstClr val="white"/>
+              </a:solidFill>
+              <a:effectLst/>
+              <a:uLnTx/>
+              <a:uFillTx/>
+              <a:latin typeface="Calibri"/>
+              <a:ea typeface="+mn-ea"/>
+              <a:cs typeface="+mn-cs"/>
+            </a:endParaRPr>
+          </a:p>
+        </p:txBody>
+      </p:sp>
+      <p:sp>
+        <p:nvSpPr>
+          <p:cNvPr id="18" name="Rounded Rectangle 7">
+            <a:extLst>
+              <a:ext uri="{FF2B5EF4-FFF2-40B4-BE49-F238E27FC236}">
+                <a16:creationId xmlns:a16="http://schemas.microsoft.com/office/drawing/2014/main" id="{3B970267-2B76-764C-97C9-BB14F95B1BFD}"/>
+              </a:ext>
+            </a:extLst>
+          </p:cNvPr>
+          <p:cNvSpPr/>
+          <p:nvPr/>
+        </p:nvSpPr>
+        <p:spPr>
+          <a:xfrm>
+            <a:off x="1567543" y="3475027"/>
+            <a:ext cx="738438" cy="385762"/>
+          </a:xfrm>
+          <a:prstGeom prst="roundRect">
+            <a:avLst/>
+          </a:prstGeom>
+          <a:solidFill>
+            <a:srgbClr val="9BBB59">
+              <a:lumMod val="20000"/>
+              <a:lumOff val="80000"/>
+            </a:srgbClr>
+          </a:solidFill>
+          <a:ln w="9525" cap="flat" cmpd="sng" algn="ctr">
+            <a:noFill/>
+            <a:prstDash val="solid"/>
+          </a:ln>
+          <a:effectLst/>
+        </p:spPr>
+        <p:txBody>
+          <a:bodyPr rtlCol="0" anchor="ctr"/>
+          <a:lstStyle/>
+          <a:p>
+            <a:pPr marL="0" marR="0" lvl="0" indent="0" algn="ctr" defTabSz="914400" eaLnBrk="1" fontAlgn="auto" latinLnBrk="0" hangingPunct="1">
+              <a:lnSpc>
+                <a:spcPct val="100000"/>
+              </a:lnSpc>
+              <a:spcBef>
+                <a:spcPts val="0"/>
+              </a:spcBef>
+              <a:spcAft>
+                <a:spcPts val="0"/>
+              </a:spcAft>
+              <a:buClrTx/>
+              <a:buSzTx/>
+              <a:buFontTx/>
+              <a:buNone/>
+              <a:tabLst/>
+              <a:defRPr/>
+            </a:pPr>
+            <a:endParaRPr kumimoji="0" lang="en-US" sz="1800" b="0" i="0" u="none" strike="noStrike" kern="0" cap="none" spc="0" normalizeH="0" baseline="0" noProof="0" dirty="0">
+              <a:ln>
+                <a:noFill/>
+              </a:ln>
+              <a:solidFill>
+                <a:prstClr val="white"/>
+              </a:solidFill>
+              <a:effectLst/>
+              <a:uLnTx/>
+              <a:uFillTx/>
+              <a:latin typeface="Calibri"/>
+              <a:ea typeface="+mn-ea"/>
+              <a:cs typeface="+mn-cs"/>
+            </a:endParaRPr>
+          </a:p>
+        </p:txBody>
+      </p:sp>
+    </p:spTree>
+    <p:extLst>
+      <p:ext uri="{BB962C8B-B14F-4D97-AF65-F5344CB8AC3E}">
+        <p14:creationId xmlns:p14="http://schemas.microsoft.com/office/powerpoint/2010/main" val="2145707462"/>
+      </p:ext>
+    </p:extLst>
+  </p:cSld>
+  <p:clrMapOvr>
+    <a:masterClrMapping/>
+  </p:clrMapOvr>
+  <p:timing>
+    <p:tnLst>
+      <p:par>
+        <p:cTn id="1" dur="indefinite" restart="never" nodeType="tmRoot">
+          <p:childTnLst>
+            <p:seq concurrent="1" nextAc="seek">
+              <p:cTn id="2" dur="indefinite" nodeType="mainSeq">
+                <p:childTnLst>
+                  <p:par>
+                    <p:cTn id="3" fill="hold">
+                      <p:stCondLst>
+                        <p:cond delay="indefinite"/>
+                      </p:stCondLst>
+                      <p:childTnLst>
+                        <p:par>
+                          <p:cTn id="4" fill="hold">
+                            <p:stCondLst>
+                              <p:cond delay="0"/>
+                            </p:stCondLst>
+                            <p:childTnLst>
+                              <p:par>
+                                <p:cTn id="5" presetID="1" presetClass="entr" presetSubtype="0" fill="hold" nodeType="clickEffect">
+                                  <p:stCondLst>
+                                    <p:cond delay="0"/>
+                                  </p:stCondLst>
+                                  <p:childTnLst>
+                                    <p:set>
+                                      <p:cBhvr>
+                                        <p:cTn id="6" dur="1" fill="hold">
+                                          <p:stCondLst>
+                                            <p:cond delay="0"/>
+                                          </p:stCondLst>
+                                        </p:cTn>
+                                        <p:tgtEl>
+                                          <p:spTgt spid="9">
+                                            <p:txEl>
+                                              <p:pRg st="0" end="0"/>
+                                            </p:txEl>
+                                          </p:spTgt>
+                                        </p:tgtEl>
+                                        <p:attrNameLst>
+                                          <p:attrName>style.visibility</p:attrName>
+                                        </p:attrNameLst>
+                                      </p:cBhvr>
+                                      <p:to>
+                                        <p:strVal val="visible"/>
+                                      </p:to>
+                                    </p:set>
+                                  </p:childTnLst>
+                                </p:cTn>
+                              </p:par>
+                            </p:childTnLst>
+                          </p:cTn>
+                        </p:par>
+                      </p:childTnLst>
+                    </p:cTn>
+                  </p:par>
+                  <p:par>
+                    <p:cTn id="7" fill="hold">
+                      <p:stCondLst>
+                        <p:cond delay="indefinite"/>
+                      </p:stCondLst>
+                      <p:childTnLst>
+                        <p:par>
+                          <p:cTn id="8" fill="hold">
+                            <p:stCondLst>
+                              <p:cond delay="0"/>
+                            </p:stCondLst>
+                            <p:childTnLst>
+                              <p:par>
+                                <p:cTn id="9" presetID="1" presetClass="entr" presetSubtype="0" fill="hold" nodeType="clickEffect">
+                                  <p:stCondLst>
+                                    <p:cond delay="0"/>
+                                  </p:stCondLst>
+                                  <p:childTnLst>
+                                    <p:set>
+                                      <p:cBhvr>
+                                        <p:cTn id="10" dur="1" fill="hold">
+                                          <p:stCondLst>
+                                            <p:cond delay="0"/>
+                                          </p:stCondLst>
+                                        </p:cTn>
+                                        <p:tgtEl>
+                                          <p:spTgt spid="10"/>
+                                        </p:tgtEl>
+                                        <p:attrNameLst>
+                                          <p:attrName>style.visibility</p:attrName>
+                                        </p:attrNameLst>
+                                      </p:cBhvr>
+                                      <p:to>
+                                        <p:strVal val="visible"/>
+                                      </p:to>
+                                    </p:set>
+                                  </p:childTnLst>
+                                </p:cTn>
+                              </p:par>
+                              <p:par>
+                                <p:cTn id="11" presetID="1" presetClass="entr" presetSubtype="0" fill="hold" nodeType="withEffect">
+                                  <p:stCondLst>
+                                    <p:cond delay="0"/>
+                                  </p:stCondLst>
+                                  <p:childTnLst>
+                                    <p:set>
+                                      <p:cBhvr>
+                                        <p:cTn id="12" dur="1" fill="hold">
+                                          <p:stCondLst>
+                                            <p:cond delay="0"/>
+                                          </p:stCondLst>
+                                        </p:cTn>
+                                        <p:tgtEl>
+                                          <p:spTgt spid="9">
+                                            <p:txEl>
+                                              <p:pRg st="7" end="7"/>
+                                            </p:txEl>
+                                          </p:spTgt>
+                                        </p:tgtEl>
+                                        <p:attrNameLst>
+                                          <p:attrName>style.visibility</p:attrName>
+                                        </p:attrNameLst>
+                                      </p:cBhvr>
+                                      <p:to>
+                                        <p:strVal val="visible"/>
+                                      </p:to>
+                                    </p:set>
+                                  </p:childTnLst>
+                                </p:cTn>
+                              </p:par>
+                              <p:par>
+                                <p:cTn id="13" presetID="1" presetClass="entr" presetSubtype="0" fill="hold" nodeType="withEffect">
+                                  <p:stCondLst>
+                                    <p:cond delay="0"/>
+                                  </p:stCondLst>
+                                  <p:childTnLst>
+                                    <p:set>
+                                      <p:cBhvr>
+                                        <p:cTn id="14" dur="1" fill="hold">
+                                          <p:stCondLst>
+                                            <p:cond delay="0"/>
+                                          </p:stCondLst>
+                                        </p:cTn>
+                                        <p:tgtEl>
+                                          <p:spTgt spid="9">
+                                            <p:txEl>
+                                              <p:pRg st="8" end="8"/>
+                                            </p:txEl>
+                                          </p:spTgt>
+                                        </p:tgtEl>
+                                        <p:attrNameLst>
+                                          <p:attrName>style.visibility</p:attrName>
+                                        </p:attrNameLst>
+                                      </p:cBhvr>
+                                      <p:to>
+                                        <p:strVal val="visible"/>
+                                      </p:to>
+                                    </p:set>
+                                  </p:childTnLst>
+                                </p:cTn>
+                              </p:par>
+                              <p:par>
+                                <p:cTn id="15" presetID="1" presetClass="entr" presetSubtype="0" fill="hold" nodeType="withEffect">
+                                  <p:stCondLst>
+                                    <p:cond delay="0"/>
+                                  </p:stCondLst>
+                                  <p:childTnLst>
+                                    <p:set>
+                                      <p:cBhvr>
+                                        <p:cTn id="16" dur="1" fill="hold">
+                                          <p:stCondLst>
+                                            <p:cond delay="0"/>
+                                          </p:stCondLst>
+                                        </p:cTn>
+                                        <p:tgtEl>
+                                          <p:spTgt spid="9">
+                                            <p:txEl>
+                                              <p:pRg st="9" end="9"/>
+                                            </p:txEl>
+                                          </p:spTgt>
+                                        </p:tgtEl>
+                                        <p:attrNameLst>
+                                          <p:attrName>style.visibility</p:attrName>
+                                        </p:attrNameLst>
+                                      </p:cBhvr>
+                                      <p:to>
+                                        <p:strVal val="visible"/>
+                                      </p:to>
+                                    </p:set>
+                                  </p:childTnLst>
+                                </p:cTn>
+                              </p:par>
+                              <p:par>
+                                <p:cTn id="17" presetID="1" presetClass="entr" presetSubtype="0" fill="hold" nodeType="withEffect">
+                                  <p:stCondLst>
+                                    <p:cond delay="0"/>
+                                  </p:stCondLst>
+                                  <p:childTnLst>
+                                    <p:set>
+                                      <p:cBhvr>
+                                        <p:cTn id="18" dur="1" fill="hold">
+                                          <p:stCondLst>
+                                            <p:cond delay="0"/>
+                                          </p:stCondLst>
+                                        </p:cTn>
+                                        <p:tgtEl>
+                                          <p:spTgt spid="9">
+                                            <p:txEl>
+                                              <p:pRg st="10" end="10"/>
+                                            </p:txEl>
+                                          </p:spTgt>
+                                        </p:tgtEl>
+                                        <p:attrNameLst>
+                                          <p:attrName>style.visibility</p:attrName>
+                                        </p:attrNameLst>
+                                      </p:cBhvr>
+                                      <p:to>
+                                        <p:strVal val="visible"/>
+                                      </p:to>
+                                    </p:set>
+                                  </p:childTnLst>
+                                </p:cTn>
+                              </p:par>
+                            </p:childTnLst>
+                          </p:cTn>
+                        </p:par>
+                      </p:childTnLst>
+                    </p:cTn>
+                  </p:par>
+                  <p:par>
+                    <p:cTn id="19" fill="hold">
+                      <p:stCondLst>
+                        <p:cond delay="indefinite"/>
+                      </p:stCondLst>
+                      <p:childTnLst>
+                        <p:par>
+                          <p:cTn id="20" fill="hold">
+                            <p:stCondLst>
+                              <p:cond delay="0"/>
+                            </p:stCondLst>
+                            <p:childTnLst>
+                              <p:par>
+                                <p:cTn id="21" presetID="1" presetClass="entr" presetSubtype="0" fill="hold" grpId="0" nodeType="clickEffect">
+                                  <p:stCondLst>
+                                    <p:cond delay="0"/>
+                                  </p:stCondLst>
+                                  <p:childTnLst>
+                                    <p:set>
+                                      <p:cBhvr>
+                                        <p:cTn id="22" dur="1" fill="hold">
+                                          <p:stCondLst>
+                                            <p:cond delay="0"/>
+                                          </p:stCondLst>
+                                        </p:cTn>
+                                        <p:tgtEl>
+                                          <p:spTgt spid="11"/>
+                                        </p:tgtEl>
+                                        <p:attrNameLst>
+                                          <p:attrName>style.visibility</p:attrName>
+                                        </p:attrNameLst>
+                                      </p:cBhvr>
+                                      <p:to>
+                                        <p:strVal val="visible"/>
+                                      </p:to>
+                                    </p:set>
+                                  </p:childTnLst>
+                                </p:cTn>
+                              </p:par>
+                            </p:childTnLst>
+                          </p:cTn>
+                        </p:par>
+                      </p:childTnLst>
+                    </p:cTn>
+                  </p:par>
+                  <p:par>
+                    <p:cTn id="23" fill="hold">
+                      <p:stCondLst>
+                        <p:cond delay="indefinite"/>
+                      </p:stCondLst>
+                      <p:childTnLst>
+                        <p:par>
+                          <p:cTn id="24" fill="hold">
+                            <p:stCondLst>
+                              <p:cond delay="0"/>
+                            </p:stCondLst>
+                            <p:childTnLst>
+                              <p:par>
+                                <p:cTn id="25" presetID="1" presetClass="entr" presetSubtype="0" fill="hold" grpId="0" nodeType="clickEffect">
+                                  <p:stCondLst>
+                                    <p:cond delay="0"/>
+                                  </p:stCondLst>
+                                  <p:childTnLst>
+                                    <p:set>
+                                      <p:cBhvr>
+                                        <p:cTn id="26" dur="1" fill="hold">
+                                          <p:stCondLst>
+                                            <p:cond delay="0"/>
+                                          </p:stCondLst>
+                                        </p:cTn>
+                                        <p:tgtEl>
+                                          <p:spTgt spid="12"/>
+                                        </p:tgtEl>
+                                        <p:attrNameLst>
+                                          <p:attrName>style.visibility</p:attrName>
+                                        </p:attrNameLst>
+                                      </p:cBhvr>
+                                      <p:to>
+                                        <p:strVal val="visible"/>
+                                      </p:to>
+                                    </p:set>
+                                  </p:childTnLst>
+                                </p:cTn>
+                              </p:par>
+                            </p:childTnLst>
+                          </p:cTn>
+                        </p:par>
+                      </p:childTnLst>
+                    </p:cTn>
+                  </p:par>
+                  <p:par>
+                    <p:cTn id="27" fill="hold">
+                      <p:stCondLst>
+                        <p:cond delay="indefinite"/>
+                      </p:stCondLst>
+                      <p:childTnLst>
+                        <p:par>
+                          <p:cTn id="28" fill="hold">
+                            <p:stCondLst>
+                              <p:cond delay="0"/>
+                            </p:stCondLst>
+                            <p:childTnLst>
+                              <p:par>
+                                <p:cTn id="29" presetID="1" presetClass="entr" presetSubtype="0" fill="hold" grpId="0" nodeType="clickEffect">
+                                  <p:stCondLst>
+                                    <p:cond delay="0"/>
+                                  </p:stCondLst>
+                                  <p:childTnLst>
+                                    <p:set>
+                                      <p:cBhvr>
+                                        <p:cTn id="30" dur="1" fill="hold">
+                                          <p:stCondLst>
+                                            <p:cond delay="0"/>
+                                          </p:stCondLst>
+                                        </p:cTn>
+                                        <p:tgtEl>
+                                          <p:spTgt spid="17"/>
+                                        </p:tgtEl>
+                                        <p:attrNameLst>
+                                          <p:attrName>style.visibility</p:attrName>
+                                        </p:attrNameLst>
+                                      </p:cBhvr>
+                                      <p:to>
+                                        <p:strVal val="visible"/>
+                                      </p:to>
+                                    </p:set>
+                                  </p:childTnLst>
+                                </p:cTn>
+                              </p:par>
+                            </p:childTnLst>
+                          </p:cTn>
+                        </p:par>
+                      </p:childTnLst>
+                    </p:cTn>
+                  </p:par>
+                  <p:par>
+                    <p:cTn id="31" fill="hold">
+                      <p:stCondLst>
+                        <p:cond delay="indefinite"/>
+                      </p:stCondLst>
+                      <p:childTnLst>
+                        <p:par>
+                          <p:cTn id="32" fill="hold">
+                            <p:stCondLst>
+                              <p:cond delay="0"/>
+                            </p:stCondLst>
+                            <p:childTnLst>
+                              <p:par>
+                                <p:cTn id="33" presetID="1" presetClass="entr" presetSubtype="0" fill="hold" grpId="0" nodeType="clickEffect">
+                                  <p:stCondLst>
+                                    <p:cond delay="0"/>
+                                  </p:stCondLst>
+                                  <p:childTnLst>
+                                    <p:set>
+                                      <p:cBhvr>
+                                        <p:cTn id="34" dur="1" fill="hold">
+                                          <p:stCondLst>
+                                            <p:cond delay="0"/>
+                                          </p:stCondLst>
+                                        </p:cTn>
+                                        <p:tgtEl>
+                                          <p:spTgt spid="18"/>
+                                        </p:tgtEl>
+                                        <p:attrNameLst>
+                                          <p:attrName>style.visibility</p:attrName>
+                                        </p:attrNameLst>
+                                      </p:cBhvr>
+                                      <p:to>
+                                        <p:strVal val="visible"/>
+                                      </p:to>
+                                    </p:set>
+                                  </p:childTnLst>
+                                </p:cTn>
+                              </p:par>
+                            </p:childTnLst>
+                          </p:cTn>
+                        </p:par>
+                      </p:childTnLst>
+                    </p:cTn>
+                  </p:par>
+                </p:childTnLst>
+              </p:cTn>
+              <p:prevCondLst>
+                <p:cond evt="onPrev" delay="0">
+                  <p:tgtEl>
+                    <p:sldTgt/>
+                  </p:tgtEl>
+                </p:cond>
+              </p:prevCondLst>
+              <p:nextCondLst>
+                <p:cond evt="onNext" delay="0">
+                  <p:tgtEl>
+                    <p:sldTgt/>
+                  </p:tgtEl>
+                </p:cond>
+              </p:nextCondLst>
+            </p:seq>
+          </p:childTnLst>
+        </p:cTn>
+      </p:par>
+    </p:tnLst>
+    <p:bldLst>
+      <p:bldP spid="11" grpId="0" animBg="1"/>
+      <p:bldP spid="12" grpId="0" animBg="1"/>
+      <p:bldP spid="17" grpId="0" animBg="1"/>
+      <p:bldP spid="18" grpId="0" animBg="1"/>
+    </p:bldLst>
+  </p:timing>
+</p:sld>
+</file>
+
+<file path=ppt/slides/slide9.xml><?xml version="1.0" encoding="utf-8"?>
+<p:sld xmlns:a="http://schemas.openxmlformats.org/drawingml/2006/main" xmlns:r="http://schemas.openxmlformats.org/officeDocument/2006/relationships" xmlns:p="http://schemas.openxmlformats.org/presentationml/2006/main">
+  <p:cSld>
+    <p:spTree>
+      <p:nvGrpSpPr>
+        <p:cNvPr id="1" name=""/>
+        <p:cNvGrpSpPr/>
+        <p:nvPr/>
+      </p:nvGrpSpPr>
+      <p:grpSpPr>
+        <a:xfrm>
+          <a:off x="0" y="0"/>
+          <a:ext cx="0" cy="0"/>
+          <a:chOff x="0" y="0"/>
+          <a:chExt cx="0" cy="0"/>
+        </a:xfrm>
+      </p:grpSpPr>
+      <p:sp>
+        <p:nvSpPr>
+          <p:cNvPr id="2" name="Title 1">
+            <a:extLst>
+              <a:ext uri="{FF2B5EF4-FFF2-40B4-BE49-F238E27FC236}">
                 <a16:creationId xmlns:a16="http://schemas.microsoft.com/office/drawing/2014/main" id="{D6427553-D8DE-424E-AB86-EABA7205C532}"/>
               </a:ext>
             </a:extLst>
@@ -22331,231 +24269,6 @@
     <p:extLst>
       <p:ext uri="{BB962C8B-B14F-4D97-AF65-F5344CB8AC3E}">
         <p14:creationId xmlns:p14="http://schemas.microsoft.com/office/powerpoint/2010/main" val="3744850841"/>
-      </p:ext>
-    </p:extLst>
-  </p:cSld>
-  <p:clrMapOvr>
-    <a:masterClrMapping/>
-  </p:clrMapOvr>
-</p:sld>
-</file>
-
-<file path=ppt/slides/slide9.xml><?xml version="1.0" encoding="utf-8"?>
-<p:sld xmlns:a="http://schemas.openxmlformats.org/drawingml/2006/main" xmlns:r="http://schemas.openxmlformats.org/officeDocument/2006/relationships" xmlns:p="http://schemas.openxmlformats.org/presentationml/2006/main">
-  <p:cSld>
-    <p:spTree>
-      <p:nvGrpSpPr>
-        <p:cNvPr id="1" name=""/>
-        <p:cNvGrpSpPr/>
-        <p:nvPr/>
-      </p:nvGrpSpPr>
-      <p:grpSpPr>
-        <a:xfrm>
-          <a:off x="0" y="0"/>
-          <a:ext cx="0" cy="0"/>
-          <a:chOff x="0" y="0"/>
-          <a:chExt cx="0" cy="0"/>
-        </a:xfrm>
-      </p:grpSpPr>
-      <p:sp>
-        <p:nvSpPr>
-          <p:cNvPr id="2" name="Title 1"/>
-          <p:cNvSpPr>
-            <a:spLocks noGrp="1"/>
-          </p:cNvSpPr>
-          <p:nvPr>
-            <p:ph type="title"/>
-          </p:nvPr>
-        </p:nvSpPr>
-        <p:spPr/>
-        <p:txBody>
-          <a:bodyPr/>
-          <a:lstStyle/>
-          <a:p>
-            <a:r>
-              <a:rPr lang="en-US" dirty="0"/>
-              <a:t>Control Flow: For Loops</a:t>
-            </a:r>
-          </a:p>
-        </p:txBody>
-      </p:sp>
-      <p:sp>
-        <p:nvSpPr>
-          <p:cNvPr id="8" name="Content Placeholder 2"/>
-          <p:cNvSpPr>
-            <a:spLocks noGrp="1"/>
-          </p:cNvSpPr>
-          <p:nvPr>
-            <p:ph idx="1"/>
-          </p:nvPr>
-        </p:nvSpPr>
-        <p:spPr>
-          <a:xfrm>
-            <a:off x="152400" y="1295400"/>
-            <a:ext cx="11887200" cy="5181600"/>
-          </a:xfrm>
-        </p:spPr>
-        <p:txBody>
-          <a:bodyPr/>
-          <a:lstStyle/>
-          <a:p>
-            <a:pPr marL="3175" indent="0">
-              <a:buNone/>
-            </a:pPr>
-            <a:r>
-              <a:rPr lang="en-US" sz="3200" dirty="0"/>
-              <a:t>Repeats the statements in the body </a:t>
-            </a:r>
-            <a:r>
-              <a:rPr lang="en-US" sz="3200" b="1" i="1" dirty="0"/>
-              <a:t>count</a:t>
-            </a:r>
-            <a:r>
-              <a:rPr lang="en-US" sz="3200" dirty="0"/>
-              <a:t> times:</a:t>
-            </a:r>
-            <a:endParaRPr lang="en-US" sz="3200" dirty="0">
-              <a:latin typeface="Courier" charset="0"/>
-              <a:ea typeface="Courier" charset="0"/>
-              <a:cs typeface="Courier" charset="0"/>
-            </a:endParaRPr>
-          </a:p>
-          <a:p>
-            <a:pPr marL="344487" lvl="1" indent="0">
-              <a:buNone/>
-            </a:pPr>
-            <a:endParaRPr lang="en-US" sz="3200" dirty="0">
-              <a:latin typeface="Courier" charset="0"/>
-              <a:ea typeface="Courier" charset="0"/>
-              <a:cs typeface="Courier" charset="0"/>
-            </a:endParaRPr>
-          </a:p>
-          <a:p>
-            <a:pPr marL="344487" lvl="1" indent="0">
-              <a:buNone/>
-            </a:pPr>
-            <a:r>
-              <a:rPr lang="en-US" sz="3200" dirty="0">
-                <a:latin typeface="Courier" charset="0"/>
-                <a:ea typeface="Courier" charset="0"/>
-                <a:cs typeface="Courier" charset="0"/>
-              </a:rPr>
-              <a:t>for </a:t>
-            </a:r>
-            <a:r>
-              <a:rPr lang="en-US" sz="3200" dirty="0" err="1">
-                <a:latin typeface="Courier" charset="0"/>
-                <a:ea typeface="Courier" charset="0"/>
-                <a:cs typeface="Courier" charset="0"/>
-              </a:rPr>
-              <a:t>i</a:t>
-            </a:r>
-            <a:r>
-              <a:rPr lang="en-US" sz="3200" dirty="0">
-                <a:latin typeface="Courier" charset="0"/>
-                <a:ea typeface="Courier" charset="0"/>
-                <a:cs typeface="Courier" charset="0"/>
-              </a:rPr>
-              <a:t> in range(</a:t>
-            </a:r>
-            <a:r>
-              <a:rPr lang="en-US" sz="3200" b="1" i="1" dirty="0">
-                <a:latin typeface="Courier" charset="0"/>
-                <a:ea typeface="Courier" charset="0"/>
-                <a:cs typeface="Courier" charset="0"/>
-              </a:rPr>
-              <a:t>count</a:t>
-            </a:r>
-            <a:r>
-              <a:rPr lang="en-US" sz="3200" dirty="0">
-                <a:latin typeface="Courier" charset="0"/>
-                <a:ea typeface="Courier" charset="0"/>
-                <a:cs typeface="Courier" charset="0"/>
-              </a:rPr>
-              <a:t>):</a:t>
-            </a:r>
-          </a:p>
-          <a:p>
-            <a:pPr marL="344487" lvl="1" indent="0">
-              <a:buNone/>
-            </a:pPr>
-            <a:r>
-              <a:rPr lang="en-US" sz="3200" dirty="0">
-                <a:latin typeface="Courier" charset="0"/>
-                <a:ea typeface="Courier" charset="0"/>
-                <a:cs typeface="Courier" charset="0"/>
-              </a:rPr>
-              <a:t>	</a:t>
-            </a:r>
-            <a:r>
-              <a:rPr lang="en-US" sz="3200" b="1" i="1" dirty="0">
-                <a:latin typeface="Courier" charset="0"/>
-                <a:ea typeface="Courier" charset="0"/>
-                <a:cs typeface="Courier" charset="0"/>
-              </a:rPr>
-              <a:t>statement</a:t>
-            </a:r>
-            <a:endParaRPr lang="en-US" sz="3200" dirty="0">
-              <a:latin typeface="Courier" charset="0"/>
-              <a:ea typeface="Courier" charset="0"/>
-              <a:cs typeface="Courier" charset="0"/>
-            </a:endParaRPr>
-          </a:p>
-          <a:p>
-            <a:pPr marL="344487" lvl="1" indent="0">
-              <a:buNone/>
-            </a:pPr>
-            <a:r>
-              <a:rPr lang="en-US" sz="3200" dirty="0">
-                <a:latin typeface="Courier" charset="0"/>
-                <a:ea typeface="Courier" charset="0"/>
-                <a:cs typeface="Courier" charset="0"/>
-              </a:rPr>
-              <a:t>	</a:t>
-            </a:r>
-            <a:r>
-              <a:rPr lang="en-US" sz="3200" b="1" i="1" dirty="0">
-                <a:latin typeface="Courier" charset="0"/>
-                <a:ea typeface="Courier" charset="0"/>
-                <a:cs typeface="Courier" charset="0"/>
-              </a:rPr>
-              <a:t>statement</a:t>
-            </a:r>
-            <a:endParaRPr lang="en-US" sz="3200" dirty="0">
-              <a:latin typeface="Courier" charset="0"/>
-              <a:ea typeface="Courier" charset="0"/>
-              <a:cs typeface="Courier" charset="0"/>
-            </a:endParaRPr>
-          </a:p>
-          <a:p>
-            <a:pPr marL="344487" lvl="1" indent="0">
-              <a:buNone/>
-            </a:pPr>
-            <a:r>
-              <a:rPr lang="en-US" sz="3200" dirty="0">
-                <a:latin typeface="Courier" charset="0"/>
-                <a:ea typeface="Courier" charset="0"/>
-                <a:cs typeface="Courier" charset="0"/>
-              </a:rPr>
-              <a:t>	...</a:t>
-            </a:r>
-          </a:p>
-          <a:p>
-            <a:pPr marL="344487" lvl="1" indent="0">
-              <a:buNone/>
-            </a:pPr>
-            <a:endParaRPr lang="en-US" sz="3200" dirty="0">
-              <a:latin typeface="Courier" charset="0"/>
-              <a:ea typeface="Courier" charset="0"/>
-              <a:cs typeface="Courier" charset="0"/>
-            </a:endParaRPr>
-          </a:p>
-        </p:txBody>
-      </p:sp>
-    </p:spTree>
-    <p:extLst>
-      <p:ext uri="{BB962C8B-B14F-4D97-AF65-F5344CB8AC3E}">
-        <p14:creationId xmlns:p14="http://schemas.microsoft.com/office/powerpoint/2010/main" val="1555610554"/>
       </p:ext>
     </p:extLst>
   </p:cSld>

--- a/docs/slides/Lecture3.pptx
+++ b/docs/slides/Lecture3.pptx
@@ -354,7 +354,7 @@
               </a14:hiddenEffects>
             </a:ext>
             <a:ext uri="{FAA26D3D-D897-4be2-8F04-BA451C77F1D7}">
-              <ma14:placeholderFlag xmlns:ma14="http://schemas.microsoft.com/office/mac/drawingml/2011/main" xmlns="" val="1"/>
+              <ma14:placeholderFlag xmlns="" xmlns:ma14="http://schemas.microsoft.com/office/mac/drawingml/2011/main" val="1"/>
             </a:ext>
           </a:extLst>
         </p:spPr>
@@ -427,7 +427,7 @@
               </a14:hiddenEffects>
             </a:ext>
             <a:ext uri="{FAA26D3D-D897-4be2-8F04-BA451C77F1D7}">
-              <ma14:placeholderFlag xmlns:ma14="http://schemas.microsoft.com/office/mac/drawingml/2011/main" xmlns="" val="1"/>
+              <ma14:placeholderFlag xmlns="" xmlns:ma14="http://schemas.microsoft.com/office/mac/drawingml/2011/main" val="1"/>
             </a:ext>
           </a:extLst>
         </p:spPr>
@@ -500,7 +500,7 @@
               </a14:hiddenEffects>
             </a:ext>
             <a:ext uri="{FAA26D3D-D897-4be2-8F04-BA451C77F1D7}">
-              <ma14:placeholderFlag xmlns:ma14="http://schemas.microsoft.com/office/mac/drawingml/2011/main" xmlns="" val="1"/>
+              <ma14:placeholderFlag xmlns="" xmlns:ma14="http://schemas.microsoft.com/office/mac/drawingml/2011/main" val="1"/>
             </a:ext>
           </a:extLst>
         </p:spPr>
@@ -614,7 +614,7 @@
               </a14:hiddenEffects>
             </a:ext>
             <a:ext uri="{FAA26D3D-D897-4be2-8F04-BA451C77F1D7}">
-              <ma14:placeholderFlag xmlns:ma14="http://schemas.microsoft.com/office/mac/drawingml/2011/main" xmlns="" val="1"/>
+              <ma14:placeholderFlag xmlns="" xmlns:ma14="http://schemas.microsoft.com/office/mac/drawingml/2011/main" val="1"/>
             </a:ext>
           </a:extLst>
         </p:spPr>
@@ -687,7 +687,7 @@
               </a14:hiddenEffects>
             </a:ext>
             <a:ext uri="{FAA26D3D-D897-4be2-8F04-BA451C77F1D7}">
-              <ma14:placeholderFlag xmlns:ma14="http://schemas.microsoft.com/office/mac/drawingml/2011/main" xmlns="" val="1"/>
+              <ma14:placeholderFlag xmlns="" xmlns:ma14="http://schemas.microsoft.com/office/mac/drawingml/2011/main" val="1"/>
             </a:ext>
           </a:extLst>
         </p:spPr>
@@ -806,7 +806,7 @@
               </a14:hiddenEffects>
             </a:ext>
             <a:ext uri="{FAA26D3D-D897-4be2-8F04-BA451C77F1D7}">
-              <ma14:placeholderFlag xmlns:ma14="http://schemas.microsoft.com/office/mac/drawingml/2011/main" xmlns="" val="1"/>
+              <ma14:placeholderFlag xmlns="" xmlns:ma14="http://schemas.microsoft.com/office/mac/drawingml/2011/main" val="1"/>
             </a:ext>
           </a:extLst>
         </p:spPr>
@@ -907,7 +907,7 @@
               </a14:hiddenEffects>
             </a:ext>
             <a:ext uri="{FAA26D3D-D897-4be2-8F04-BA451C77F1D7}">
-              <ma14:placeholderFlag xmlns:ma14="http://schemas.microsoft.com/office/mac/drawingml/2011/main" xmlns="" val="1"/>
+              <ma14:placeholderFlag xmlns="" xmlns:ma14="http://schemas.microsoft.com/office/mac/drawingml/2011/main" val="1"/>
             </a:ext>
           </a:extLst>
         </p:spPr>
@@ -980,7 +980,7 @@
               </a14:hiddenEffects>
             </a:ext>
             <a:ext uri="{FAA26D3D-D897-4be2-8F04-BA451C77F1D7}">
-              <ma14:placeholderFlag xmlns:ma14="http://schemas.microsoft.com/office/mac/drawingml/2011/main" xmlns="" val="1"/>
+              <ma14:placeholderFlag xmlns="" xmlns:ma14="http://schemas.microsoft.com/office/mac/drawingml/2011/main" val="1"/>
             </a:ext>
           </a:extLst>
         </p:spPr>
@@ -4800,7 +4800,7 @@
               </a14:hiddenEffects>
             </a:ext>
             <a:ext uri="{FAA26D3D-D897-4be2-8F04-BA451C77F1D7}">
-              <ma14:placeholderFlag xmlns:ma14="http://schemas.microsoft.com/office/mac/drawingml/2011/main" xmlns="" val="1"/>
+              <ma14:placeholderFlag xmlns="" xmlns:ma14="http://schemas.microsoft.com/office/mac/drawingml/2011/main" val="1"/>
             </a:ext>
           </a:extLst>
         </p:spPr>
@@ -12828,7 +12828,7 @@
               </a14:hiddenEffects>
             </a:ext>
             <a:ext uri="{FAA26D3D-D897-4be2-8F04-BA451C77F1D7}">
-              <ma14:placeholderFlag xmlns:ma14="http://schemas.microsoft.com/office/mac/drawingml/2011/main" xmlns="" val="1"/>
+              <ma14:placeholderFlag xmlns="" xmlns:ma14="http://schemas.microsoft.com/office/mac/drawingml/2011/main" val="1"/>
             </a:ext>
           </a:extLst>
         </p:spPr>
@@ -14612,7 +14612,7 @@
               </a14:hiddenEffects>
             </a:ext>
             <a:ext uri="{FAA26D3D-D897-4be2-8F04-BA451C77F1D7}">
-              <ma14:placeholderFlag xmlns:ma14="http://schemas.microsoft.com/office/mac/drawingml/2011/main" xmlns="" val="1"/>
+              <ma14:placeholderFlag xmlns="" xmlns:ma14="http://schemas.microsoft.com/office/mac/drawingml/2011/main" val="1"/>
             </a:ext>
           </a:extLst>
         </p:spPr>
@@ -21226,7 +21226,7 @@
               </a14:hiddenEffects>
             </a:ext>
             <a:ext uri="{FAA26D3D-D897-4be2-8F04-BA451C77F1D7}">
-              <ma14:placeholderFlag xmlns:ma14="http://schemas.microsoft.com/office/mac/drawingml/2011/main" xmlns="" val="1"/>
+              <ma14:placeholderFlag xmlns="" xmlns:ma14="http://schemas.microsoft.com/office/mac/drawingml/2011/main" val="1"/>
             </a:ext>
           </a:extLst>
         </p:spPr>
@@ -22573,7 +22573,7 @@
               </a14:hiddenEffects>
             </a:ext>
             <a:ext uri="{FAA26D3D-D897-4be2-8F04-BA451C77F1D7}">
-              <ma14:placeholderFlag xmlns="" xmlns:ma14="http://schemas.microsoft.com/office/mac/drawingml/2011/main" val="1"/>
+              <ma14:placeholderFlag xmlns:ma14="http://schemas.microsoft.com/office/mac/drawingml/2011/main" xmlns="" val="1"/>
             </a:ext>
           </a:extLst>
         </p:spPr>
